--- a/misc/Segmentation.pptx
+++ b/misc/Segmentation.pptx
@@ -20,6 +20,11 @@
     <p:sldId id="267" r:id="rId14"/>
     <p:sldId id="269" r:id="rId15"/>
     <p:sldId id="270" r:id="rId16"/>
+    <p:sldId id="271" r:id="rId17"/>
+    <p:sldId id="272" r:id="rId18"/>
+    <p:sldId id="273" r:id="rId19"/>
+    <p:sldId id="275" r:id="rId20"/>
+    <p:sldId id="274" r:id="rId21"/>
   </p:sldIdLst>
   <p:sldSz cx="12192000" cy="6858000"/>
   <p:notesSz cx="6858000" cy="9144000"/>
@@ -273,7 +278,7 @@
           <a:p>
             <a:fld id="{5ECBD1B4-F142-490E-A4AB-4FD38A88171A}" type="datetimeFigureOut">
               <a:rPr lang="en-US" smtClean="0"/>
-              <a:t>8/8/2021</a:t>
+              <a:t>8/14/2021</a:t>
             </a:fld>
             <a:endParaRPr lang="en-US"/>
           </a:p>
@@ -471,7 +476,7 @@
           <a:p>
             <a:fld id="{5ECBD1B4-F142-490E-A4AB-4FD38A88171A}" type="datetimeFigureOut">
               <a:rPr lang="en-US" smtClean="0"/>
-              <a:t>8/8/2021</a:t>
+              <a:t>8/14/2021</a:t>
             </a:fld>
             <a:endParaRPr lang="en-US"/>
           </a:p>
@@ -679,7 +684,7 @@
           <a:p>
             <a:fld id="{5ECBD1B4-F142-490E-A4AB-4FD38A88171A}" type="datetimeFigureOut">
               <a:rPr lang="en-US" smtClean="0"/>
-              <a:t>8/8/2021</a:t>
+              <a:t>8/14/2021</a:t>
             </a:fld>
             <a:endParaRPr lang="en-US"/>
           </a:p>
@@ -877,7 +882,7 @@
           <a:p>
             <a:fld id="{5ECBD1B4-F142-490E-A4AB-4FD38A88171A}" type="datetimeFigureOut">
               <a:rPr lang="en-US" smtClean="0"/>
-              <a:t>8/8/2021</a:t>
+              <a:t>8/14/2021</a:t>
             </a:fld>
             <a:endParaRPr lang="en-US"/>
           </a:p>
@@ -1152,7 +1157,7 @@
           <a:p>
             <a:fld id="{5ECBD1B4-F142-490E-A4AB-4FD38A88171A}" type="datetimeFigureOut">
               <a:rPr lang="en-US" smtClean="0"/>
-              <a:t>8/8/2021</a:t>
+              <a:t>8/14/2021</a:t>
             </a:fld>
             <a:endParaRPr lang="en-US"/>
           </a:p>
@@ -1417,7 +1422,7 @@
           <a:p>
             <a:fld id="{5ECBD1B4-F142-490E-A4AB-4FD38A88171A}" type="datetimeFigureOut">
               <a:rPr lang="en-US" smtClean="0"/>
-              <a:t>8/8/2021</a:t>
+              <a:t>8/14/2021</a:t>
             </a:fld>
             <a:endParaRPr lang="en-US"/>
           </a:p>
@@ -1829,7 +1834,7 @@
           <a:p>
             <a:fld id="{5ECBD1B4-F142-490E-A4AB-4FD38A88171A}" type="datetimeFigureOut">
               <a:rPr lang="en-US" smtClean="0"/>
-              <a:t>8/8/2021</a:t>
+              <a:t>8/14/2021</a:t>
             </a:fld>
             <a:endParaRPr lang="en-US"/>
           </a:p>
@@ -1970,7 +1975,7 @@
           <a:p>
             <a:fld id="{5ECBD1B4-F142-490E-A4AB-4FD38A88171A}" type="datetimeFigureOut">
               <a:rPr lang="en-US" smtClean="0"/>
-              <a:t>8/8/2021</a:t>
+              <a:t>8/14/2021</a:t>
             </a:fld>
             <a:endParaRPr lang="en-US"/>
           </a:p>
@@ -2083,7 +2088,7 @@
           <a:p>
             <a:fld id="{5ECBD1B4-F142-490E-A4AB-4FD38A88171A}" type="datetimeFigureOut">
               <a:rPr lang="en-US" smtClean="0"/>
-              <a:t>8/8/2021</a:t>
+              <a:t>8/14/2021</a:t>
             </a:fld>
             <a:endParaRPr lang="en-US"/>
           </a:p>
@@ -2394,7 +2399,7 @@
           <a:p>
             <a:fld id="{5ECBD1B4-F142-490E-A4AB-4FD38A88171A}" type="datetimeFigureOut">
               <a:rPr lang="en-US" smtClean="0"/>
-              <a:t>8/8/2021</a:t>
+              <a:t>8/14/2021</a:t>
             </a:fld>
             <a:endParaRPr lang="en-US"/>
           </a:p>
@@ -2682,7 +2687,7 @@
           <a:p>
             <a:fld id="{5ECBD1B4-F142-490E-A4AB-4FD38A88171A}" type="datetimeFigureOut">
               <a:rPr lang="en-US" smtClean="0"/>
-              <a:t>8/8/2021</a:t>
+              <a:t>8/14/2021</a:t>
             </a:fld>
             <a:endParaRPr lang="en-US"/>
           </a:p>
@@ -2923,7 +2928,7 @@
           <a:p>
             <a:fld id="{5ECBD1B4-F142-490E-A4AB-4FD38A88171A}" type="datetimeFigureOut">
               <a:rPr lang="en-US" smtClean="0"/>
-              <a:t>8/8/2021</a:t>
+              <a:t>8/14/2021</a:t>
             </a:fld>
             <a:endParaRPr lang="en-US"/>
           </a:p>
@@ -3665,9 +3670,12 @@
             </a:r>
             <a:r>
               <a:rPr lang="en-US" dirty="0" err="1"/>
-              <a:t>pngs</a:t>
-            </a:r>
-            <a:endParaRPr lang="en-US" dirty="0"/>
+              <a:t>png</a:t>
+            </a:r>
+            <a:r>
+              <a:rPr lang="en-US" dirty="0"/>
+              <a:t>-s</a:t>
+            </a:r>
           </a:p>
           <a:p>
             <a:r>
@@ -5062,7 +5070,7 @@
         </p:blipFill>
         <p:spPr>
           <a:xfrm>
-            <a:off x="-24530" y="2308193"/>
+            <a:off x="197412" y="2345388"/>
             <a:ext cx="3016513" cy="3016513"/>
           </a:xfrm>
         </p:spPr>
@@ -5131,7 +5139,7 @@
         </p:blipFill>
         <p:spPr>
           <a:xfrm>
-            <a:off x="3645393" y="3640351"/>
+            <a:off x="4450579" y="3585839"/>
             <a:ext cx="3272161" cy="3272161"/>
           </a:xfrm>
           <a:prstGeom prst="rect">
@@ -5225,7 +5233,7 @@
         </p:nvSpPr>
         <p:spPr>
           <a:xfrm rot="10800000">
-            <a:off x="7300219" y="1303723"/>
+            <a:off x="7295098" y="1360249"/>
             <a:ext cx="861134" cy="639192"/>
           </a:xfrm>
           <a:prstGeom prst="rightArrow">
@@ -5317,7 +5325,7 @@
         </p:nvSpPr>
         <p:spPr>
           <a:xfrm rot="10800000">
-            <a:off x="7022052" y="5005110"/>
+            <a:off x="7628011" y="5057980"/>
             <a:ext cx="861134" cy="639192"/>
           </a:xfrm>
           <a:prstGeom prst="rightArrow">
@@ -5395,10 +5403,2614 @@
           </a:p>
         </p:txBody>
       </p:sp>
+      <p:sp>
+        <p:nvSpPr>
+          <p:cNvPr id="3" name="TextBox 2">
+            <a:extLst>
+              <a:ext uri="{FF2B5EF4-FFF2-40B4-BE49-F238E27FC236}">
+                <a16:creationId xmlns:a16="http://schemas.microsoft.com/office/drawing/2014/main" id="{C171A46E-9C91-4A87-97A4-1A2A8D6EB3DB}"/>
+              </a:ext>
+            </a:extLst>
+          </p:cNvPr>
+          <p:cNvSpPr txBox="1"/>
+          <p:nvPr/>
+        </p:nvSpPr>
+        <p:spPr>
+          <a:xfrm>
+            <a:off x="577049" y="5644303"/>
+            <a:ext cx="3151572" cy="2031325"/>
+          </a:xfrm>
+          <a:prstGeom prst="rect">
+            <a:avLst/>
+          </a:prstGeom>
+          <a:noFill/>
+        </p:spPr>
+        <p:txBody>
+          <a:bodyPr wrap="square" rtlCol="0">
+            <a:spAutoFit/>
+          </a:bodyPr>
+          <a:lstStyle/>
+          <a:p>
+            <a:r>
+              <a:rPr lang="en-US" dirty="0"/>
+              <a:t>How to combine recognized features</a:t>
+            </a:r>
+          </a:p>
+          <a:p>
+            <a:endParaRPr lang="en-US" dirty="0"/>
+          </a:p>
+          <a:p>
+            <a:r>
+              <a:rPr lang="en-US" dirty="0"/>
+              <a:t>Ascii VS binary</a:t>
+            </a:r>
+          </a:p>
+          <a:p>
+            <a:endParaRPr lang="en-US" dirty="0"/>
+          </a:p>
+          <a:p>
+            <a:r>
+              <a:rPr lang="en-US" dirty="0"/>
+              <a:t>Have Z values of planes to turn back and assign to original </a:t>
+            </a:r>
+            <a:r>
+              <a:rPr lang="en-US" dirty="0" err="1"/>
+              <a:t>stl</a:t>
+            </a:r>
+            <a:endParaRPr lang="en-US" dirty="0"/>
+          </a:p>
+        </p:txBody>
+      </p:sp>
     </p:spTree>
     <p:extLst>
       <p:ext uri="{BB962C8B-B14F-4D97-AF65-F5344CB8AC3E}">
         <p14:creationId xmlns:p14="http://schemas.microsoft.com/office/powerpoint/2010/main" val="1427379745"/>
+      </p:ext>
+    </p:extLst>
+  </p:cSld>
+  <p:clrMapOvr>
+    <a:masterClrMapping/>
+  </p:clrMapOvr>
+</p:sld>
+</file>
+
+<file path=ppt/slides/slide16.xml><?xml version="1.0" encoding="utf-8"?>
+<p:sld xmlns:a="http://schemas.openxmlformats.org/drawingml/2006/main" xmlns:r="http://schemas.openxmlformats.org/officeDocument/2006/relationships" xmlns:p="http://schemas.openxmlformats.org/presentationml/2006/main">
+  <p:cSld>
+    <p:spTree>
+      <p:nvGrpSpPr>
+        <p:cNvPr id="1" name=""/>
+        <p:cNvGrpSpPr/>
+        <p:nvPr/>
+      </p:nvGrpSpPr>
+      <p:grpSpPr>
+        <a:xfrm>
+          <a:off x="0" y="0"/>
+          <a:ext cx="0" cy="0"/>
+          <a:chOff x="0" y="0"/>
+          <a:chExt cx="0" cy="0"/>
+        </a:xfrm>
+      </p:grpSpPr>
+      <p:sp>
+        <p:nvSpPr>
+          <p:cNvPr id="2" name="Title 1">
+            <a:extLst>
+              <a:ext uri="{FF2B5EF4-FFF2-40B4-BE49-F238E27FC236}">
+                <a16:creationId xmlns:a16="http://schemas.microsoft.com/office/drawing/2014/main" id="{5BC090C0-44FD-411A-BE7E-92FFC7576652}"/>
+              </a:ext>
+            </a:extLst>
+          </p:cNvPr>
+          <p:cNvSpPr>
+            <a:spLocks noGrp="1"/>
+          </p:cNvSpPr>
+          <p:nvPr>
+            <p:ph type="title"/>
+          </p:nvPr>
+        </p:nvSpPr>
+        <p:spPr/>
+        <p:txBody>
+          <a:bodyPr/>
+          <a:lstStyle/>
+          <a:p>
+            <a:r>
+              <a:rPr lang="en-US" dirty="0"/>
+              <a:t>How to glue everything together </a:t>
+            </a:r>
+          </a:p>
+        </p:txBody>
+      </p:sp>
+      <p:sp>
+        <p:nvSpPr>
+          <p:cNvPr id="3" name="Content Placeholder 2">
+            <a:extLst>
+              <a:ext uri="{FF2B5EF4-FFF2-40B4-BE49-F238E27FC236}">
+                <a16:creationId xmlns:a16="http://schemas.microsoft.com/office/drawing/2014/main" id="{618B05F1-87F2-416D-ADAA-047ADC2550A3}"/>
+              </a:ext>
+            </a:extLst>
+          </p:cNvPr>
+          <p:cNvSpPr>
+            <a:spLocks noGrp="1"/>
+          </p:cNvSpPr>
+          <p:nvPr>
+            <p:ph idx="1"/>
+          </p:nvPr>
+        </p:nvSpPr>
+        <p:spPr/>
+        <p:txBody>
+          <a:bodyPr/>
+          <a:lstStyle/>
+          <a:p>
+            <a:r>
+              <a:rPr lang="en-US" dirty="0"/>
+              <a:t>BIG FLOWCHART NEEDED </a:t>
+            </a:r>
+          </a:p>
+        </p:txBody>
+      </p:sp>
+    </p:spTree>
+    <p:extLst>
+      <p:ext uri="{BB962C8B-B14F-4D97-AF65-F5344CB8AC3E}">
+        <p14:creationId xmlns:p14="http://schemas.microsoft.com/office/powerpoint/2010/main" val="3492777555"/>
+      </p:ext>
+    </p:extLst>
+  </p:cSld>
+  <p:clrMapOvr>
+    <a:masterClrMapping/>
+  </p:clrMapOvr>
+</p:sld>
+</file>
+
+<file path=ppt/slides/slide17.xml><?xml version="1.0" encoding="utf-8"?>
+<p:sld xmlns:a="http://schemas.openxmlformats.org/drawingml/2006/main" xmlns:r="http://schemas.openxmlformats.org/officeDocument/2006/relationships" xmlns:p="http://schemas.openxmlformats.org/presentationml/2006/main">
+  <p:cSld>
+    <p:spTree>
+      <p:nvGrpSpPr>
+        <p:cNvPr id="1" name=""/>
+        <p:cNvGrpSpPr/>
+        <p:nvPr/>
+      </p:nvGrpSpPr>
+      <p:grpSpPr>
+        <a:xfrm>
+          <a:off x="0" y="0"/>
+          <a:ext cx="0" cy="0"/>
+          <a:chOff x="0" y="0"/>
+          <a:chExt cx="0" cy="0"/>
+        </a:xfrm>
+      </p:grpSpPr>
+      <p:sp>
+        <p:nvSpPr>
+          <p:cNvPr id="2" name="Title 1">
+            <a:extLst>
+              <a:ext uri="{FF2B5EF4-FFF2-40B4-BE49-F238E27FC236}">
+                <a16:creationId xmlns:a16="http://schemas.microsoft.com/office/drawing/2014/main" id="{F35E43D2-8A7D-484E-A7BF-60A652D8AB95}"/>
+              </a:ext>
+            </a:extLst>
+          </p:cNvPr>
+          <p:cNvSpPr>
+            <a:spLocks noGrp="1"/>
+          </p:cNvSpPr>
+          <p:nvPr>
+            <p:ph type="title"/>
+          </p:nvPr>
+        </p:nvSpPr>
+        <p:spPr/>
+        <p:txBody>
+          <a:bodyPr/>
+          <a:lstStyle/>
+          <a:p>
+            <a:r>
+              <a:rPr lang="en-US" dirty="0"/>
+              <a:t>Turning – problem = Size not constant</a:t>
+            </a:r>
+          </a:p>
+        </p:txBody>
+      </p:sp>
+      <p:sp>
+        <p:nvSpPr>
+          <p:cNvPr id="3" name="Content Placeholder 2">
+            <a:extLst>
+              <a:ext uri="{FF2B5EF4-FFF2-40B4-BE49-F238E27FC236}">
+                <a16:creationId xmlns:a16="http://schemas.microsoft.com/office/drawing/2014/main" id="{D5EFBA1B-AA92-4FF2-958C-100A35B40F42}"/>
+              </a:ext>
+            </a:extLst>
+          </p:cNvPr>
+          <p:cNvSpPr>
+            <a:spLocks noGrp="1"/>
+          </p:cNvSpPr>
+          <p:nvPr>
+            <p:ph idx="1"/>
+          </p:nvPr>
+        </p:nvSpPr>
+        <p:spPr/>
+        <p:txBody>
+          <a:bodyPr/>
+          <a:lstStyle/>
+          <a:p>
+            <a:endParaRPr lang="en-US" dirty="0"/>
+          </a:p>
+        </p:txBody>
+      </p:sp>
+      <p:sp>
+        <p:nvSpPr>
+          <p:cNvPr id="5" name="Rectangle 4">
+            <a:extLst>
+              <a:ext uri="{FF2B5EF4-FFF2-40B4-BE49-F238E27FC236}">
+                <a16:creationId xmlns:a16="http://schemas.microsoft.com/office/drawing/2014/main" id="{1B4C744D-6898-4092-A898-CBBF996C6A6D}"/>
+              </a:ext>
+            </a:extLst>
+          </p:cNvPr>
+          <p:cNvSpPr/>
+          <p:nvPr/>
+        </p:nvSpPr>
+        <p:spPr>
+          <a:xfrm>
+            <a:off x="1207364" y="2589745"/>
+            <a:ext cx="2823098" cy="2823098"/>
+          </a:xfrm>
+          <a:prstGeom prst="rect">
+            <a:avLst/>
+          </a:prstGeom>
+          <a:noFill/>
+          <a:ln w="76200">
+            <a:solidFill>
+              <a:schemeClr val="tx1"/>
+            </a:solidFill>
+          </a:ln>
+        </p:spPr>
+        <p:style>
+          <a:lnRef idx="2">
+            <a:schemeClr val="accent1">
+              <a:shade val="50000"/>
+            </a:schemeClr>
+          </a:lnRef>
+          <a:fillRef idx="1">
+            <a:schemeClr val="accent1"/>
+          </a:fillRef>
+          <a:effectRef idx="0">
+            <a:schemeClr val="accent1"/>
+          </a:effectRef>
+          <a:fontRef idx="minor">
+            <a:schemeClr val="lt1"/>
+          </a:fontRef>
+        </p:style>
+        <p:txBody>
+          <a:bodyPr rtlCol="0" anchor="ctr"/>
+          <a:lstStyle/>
+          <a:p>
+            <a:pPr algn="ctr"/>
+            <a:endParaRPr lang="en-US"/>
+          </a:p>
+        </p:txBody>
+      </p:sp>
+      <p:sp>
+        <p:nvSpPr>
+          <p:cNvPr id="6" name="Rectangle 5">
+            <a:extLst>
+              <a:ext uri="{FF2B5EF4-FFF2-40B4-BE49-F238E27FC236}">
+                <a16:creationId xmlns:a16="http://schemas.microsoft.com/office/drawing/2014/main" id="{E713B4AC-2F5F-4880-A697-0A48D806C944}"/>
+              </a:ext>
+            </a:extLst>
+          </p:cNvPr>
+          <p:cNvSpPr/>
+          <p:nvPr/>
+        </p:nvSpPr>
+        <p:spPr>
+          <a:xfrm>
+            <a:off x="5905131" y="2589745"/>
+            <a:ext cx="2823098" cy="2823098"/>
+          </a:xfrm>
+          <a:prstGeom prst="rect">
+            <a:avLst/>
+          </a:prstGeom>
+          <a:noFill/>
+          <a:ln w="76200">
+            <a:solidFill>
+              <a:schemeClr val="tx1"/>
+            </a:solidFill>
+          </a:ln>
+        </p:spPr>
+        <p:style>
+          <a:lnRef idx="2">
+            <a:schemeClr val="accent1">
+              <a:shade val="50000"/>
+            </a:schemeClr>
+          </a:lnRef>
+          <a:fillRef idx="1">
+            <a:schemeClr val="accent1"/>
+          </a:fillRef>
+          <a:effectRef idx="0">
+            <a:schemeClr val="accent1"/>
+          </a:effectRef>
+          <a:fontRef idx="minor">
+            <a:schemeClr val="lt1"/>
+          </a:fontRef>
+        </p:style>
+        <p:txBody>
+          <a:bodyPr rtlCol="0" anchor="ctr"/>
+          <a:lstStyle/>
+          <a:p>
+            <a:pPr algn="ctr"/>
+            <a:endParaRPr lang="en-US"/>
+          </a:p>
+        </p:txBody>
+      </p:sp>
+      <p:grpSp>
+        <p:nvGrpSpPr>
+          <p:cNvPr id="16" name="Group 15">
+            <a:extLst>
+              <a:ext uri="{FF2B5EF4-FFF2-40B4-BE49-F238E27FC236}">
+                <a16:creationId xmlns:a16="http://schemas.microsoft.com/office/drawing/2014/main" id="{91F8C34B-BE20-4B20-9416-24FAC8235907}"/>
+              </a:ext>
+            </a:extLst>
+          </p:cNvPr>
+          <p:cNvGrpSpPr/>
+          <p:nvPr/>
+        </p:nvGrpSpPr>
+        <p:grpSpPr>
+          <a:xfrm>
+            <a:off x="1207364" y="2589745"/>
+            <a:ext cx="2823098" cy="2823098"/>
+            <a:chOff x="1207364" y="2589745"/>
+            <a:chExt cx="2823098" cy="2823098"/>
+          </a:xfrm>
+        </p:grpSpPr>
+        <p:sp>
+          <p:nvSpPr>
+            <p:cNvPr id="13" name="Rectangle 12">
+              <a:extLst>
+                <a:ext uri="{FF2B5EF4-FFF2-40B4-BE49-F238E27FC236}">
+                  <a16:creationId xmlns:a16="http://schemas.microsoft.com/office/drawing/2014/main" id="{6D3F1281-BEB7-4B3B-9F4E-8B3130C7607A}"/>
+                </a:ext>
+              </a:extLst>
+            </p:cNvPr>
+            <p:cNvSpPr/>
+            <p:nvPr/>
+          </p:nvSpPr>
+          <p:spPr>
+            <a:xfrm>
+              <a:off x="1207364" y="2589745"/>
+              <a:ext cx="1269506" cy="2823098"/>
+            </a:xfrm>
+            <a:prstGeom prst="rect">
+              <a:avLst/>
+            </a:prstGeom>
+            <a:solidFill>
+              <a:schemeClr val="accent1"/>
+            </a:solidFill>
+            <a:ln>
+              <a:solidFill>
+                <a:schemeClr val="accent1"/>
+              </a:solidFill>
+            </a:ln>
+          </p:spPr>
+          <p:style>
+            <a:lnRef idx="2">
+              <a:schemeClr val="accent1">
+                <a:shade val="50000"/>
+              </a:schemeClr>
+            </a:lnRef>
+            <a:fillRef idx="1">
+              <a:schemeClr val="accent1"/>
+            </a:fillRef>
+            <a:effectRef idx="0">
+              <a:schemeClr val="accent1"/>
+            </a:effectRef>
+            <a:fontRef idx="minor">
+              <a:schemeClr val="lt1"/>
+            </a:fontRef>
+          </p:style>
+          <p:txBody>
+            <a:bodyPr rtlCol="0" anchor="ctr"/>
+            <a:lstStyle/>
+            <a:p>
+              <a:pPr algn="ctr"/>
+              <a:endParaRPr lang="en-US"/>
+            </a:p>
+          </p:txBody>
+        </p:sp>
+        <p:sp>
+          <p:nvSpPr>
+            <p:cNvPr id="14" name="Rectangle 13">
+              <a:extLst>
+                <a:ext uri="{FF2B5EF4-FFF2-40B4-BE49-F238E27FC236}">
+                  <a16:creationId xmlns:a16="http://schemas.microsoft.com/office/drawing/2014/main" id="{3354B77B-71DC-4741-A60B-2BAEF9E3B83C}"/>
+                </a:ext>
+              </a:extLst>
+            </p:cNvPr>
+            <p:cNvSpPr/>
+            <p:nvPr/>
+          </p:nvSpPr>
+          <p:spPr>
+            <a:xfrm>
+              <a:off x="1207364" y="4350058"/>
+              <a:ext cx="2823098" cy="1062785"/>
+            </a:xfrm>
+            <a:prstGeom prst="rect">
+              <a:avLst/>
+            </a:prstGeom>
+            <a:solidFill>
+              <a:schemeClr val="accent1"/>
+            </a:solidFill>
+            <a:ln>
+              <a:solidFill>
+                <a:schemeClr val="accent1"/>
+              </a:solidFill>
+            </a:ln>
+          </p:spPr>
+          <p:style>
+            <a:lnRef idx="2">
+              <a:schemeClr val="accent1">
+                <a:shade val="50000"/>
+              </a:schemeClr>
+            </a:lnRef>
+            <a:fillRef idx="1">
+              <a:schemeClr val="accent1"/>
+            </a:fillRef>
+            <a:effectRef idx="0">
+              <a:schemeClr val="accent1"/>
+            </a:effectRef>
+            <a:fontRef idx="minor">
+              <a:schemeClr val="lt1"/>
+            </a:fontRef>
+          </p:style>
+          <p:txBody>
+            <a:bodyPr rtlCol="0" anchor="ctr"/>
+            <a:lstStyle/>
+            <a:p>
+              <a:pPr algn="ctr"/>
+              <a:endParaRPr lang="en-US"/>
+            </a:p>
+          </p:txBody>
+        </p:sp>
+        <p:sp>
+          <p:nvSpPr>
+            <p:cNvPr id="15" name="Rectangle 14">
+              <a:extLst>
+                <a:ext uri="{FF2B5EF4-FFF2-40B4-BE49-F238E27FC236}">
+                  <a16:creationId xmlns:a16="http://schemas.microsoft.com/office/drawing/2014/main" id="{DBB0E025-24DE-4EC2-8781-FB80F2E1B419}"/>
+                </a:ext>
+              </a:extLst>
+            </p:cNvPr>
+            <p:cNvSpPr/>
+            <p:nvPr/>
+          </p:nvSpPr>
+          <p:spPr>
+            <a:xfrm rot="2919803">
+              <a:off x="1726529" y="3905391"/>
+              <a:ext cx="1932852" cy="566116"/>
+            </a:xfrm>
+            <a:prstGeom prst="rect">
+              <a:avLst/>
+            </a:prstGeom>
+            <a:solidFill>
+              <a:schemeClr val="accent1"/>
+            </a:solidFill>
+            <a:ln>
+              <a:solidFill>
+                <a:schemeClr val="accent1"/>
+              </a:solidFill>
+            </a:ln>
+          </p:spPr>
+          <p:style>
+            <a:lnRef idx="2">
+              <a:schemeClr val="accent1">
+                <a:shade val="50000"/>
+              </a:schemeClr>
+            </a:lnRef>
+            <a:fillRef idx="1">
+              <a:schemeClr val="accent1"/>
+            </a:fillRef>
+            <a:effectRef idx="0">
+              <a:schemeClr val="accent1"/>
+            </a:effectRef>
+            <a:fontRef idx="minor">
+              <a:schemeClr val="lt1"/>
+            </a:fontRef>
+          </p:style>
+          <p:txBody>
+            <a:bodyPr rtlCol="0" anchor="ctr"/>
+            <a:lstStyle/>
+            <a:p>
+              <a:pPr algn="ctr"/>
+              <a:endParaRPr lang="en-US"/>
+            </a:p>
+          </p:txBody>
+        </p:sp>
+      </p:grpSp>
+      <p:grpSp>
+        <p:nvGrpSpPr>
+          <p:cNvPr id="17" name="Group 16">
+            <a:extLst>
+              <a:ext uri="{FF2B5EF4-FFF2-40B4-BE49-F238E27FC236}">
+                <a16:creationId xmlns:a16="http://schemas.microsoft.com/office/drawing/2014/main" id="{CB5F5004-6699-4ECF-AE7E-37923DCB299D}"/>
+              </a:ext>
+            </a:extLst>
+          </p:cNvPr>
+          <p:cNvGrpSpPr/>
+          <p:nvPr/>
+        </p:nvGrpSpPr>
+        <p:grpSpPr>
+          <a:xfrm rot="18780857">
+            <a:off x="5905131" y="2006260"/>
+            <a:ext cx="2823098" cy="2823098"/>
+            <a:chOff x="1207364" y="2589745"/>
+            <a:chExt cx="2823098" cy="2823098"/>
+          </a:xfrm>
+        </p:grpSpPr>
+        <p:sp>
+          <p:nvSpPr>
+            <p:cNvPr id="18" name="Rectangle 17">
+              <a:extLst>
+                <a:ext uri="{FF2B5EF4-FFF2-40B4-BE49-F238E27FC236}">
+                  <a16:creationId xmlns:a16="http://schemas.microsoft.com/office/drawing/2014/main" id="{B949FB71-0909-480B-ADD9-09D9E90B3852}"/>
+                </a:ext>
+              </a:extLst>
+            </p:cNvPr>
+            <p:cNvSpPr/>
+            <p:nvPr/>
+          </p:nvSpPr>
+          <p:spPr>
+            <a:xfrm>
+              <a:off x="1207364" y="2589745"/>
+              <a:ext cx="1269506" cy="2823098"/>
+            </a:xfrm>
+            <a:prstGeom prst="rect">
+              <a:avLst/>
+            </a:prstGeom>
+            <a:solidFill>
+              <a:schemeClr val="accent1"/>
+            </a:solidFill>
+            <a:ln>
+              <a:solidFill>
+                <a:schemeClr val="accent1"/>
+              </a:solidFill>
+            </a:ln>
+          </p:spPr>
+          <p:style>
+            <a:lnRef idx="2">
+              <a:schemeClr val="accent1">
+                <a:shade val="50000"/>
+              </a:schemeClr>
+            </a:lnRef>
+            <a:fillRef idx="1">
+              <a:schemeClr val="accent1"/>
+            </a:fillRef>
+            <a:effectRef idx="0">
+              <a:schemeClr val="accent1"/>
+            </a:effectRef>
+            <a:fontRef idx="minor">
+              <a:schemeClr val="lt1"/>
+            </a:fontRef>
+          </p:style>
+          <p:txBody>
+            <a:bodyPr rtlCol="0" anchor="ctr"/>
+            <a:lstStyle/>
+            <a:p>
+              <a:pPr algn="ctr"/>
+              <a:endParaRPr lang="en-US"/>
+            </a:p>
+          </p:txBody>
+        </p:sp>
+        <p:sp>
+          <p:nvSpPr>
+            <p:cNvPr id="19" name="Rectangle 18">
+              <a:extLst>
+                <a:ext uri="{FF2B5EF4-FFF2-40B4-BE49-F238E27FC236}">
+                  <a16:creationId xmlns:a16="http://schemas.microsoft.com/office/drawing/2014/main" id="{57F0B858-A66D-4F66-817D-CD2B0C7085B0}"/>
+                </a:ext>
+              </a:extLst>
+            </p:cNvPr>
+            <p:cNvSpPr/>
+            <p:nvPr/>
+          </p:nvSpPr>
+          <p:spPr>
+            <a:xfrm>
+              <a:off x="1207364" y="4350058"/>
+              <a:ext cx="2823098" cy="1062785"/>
+            </a:xfrm>
+            <a:prstGeom prst="rect">
+              <a:avLst/>
+            </a:prstGeom>
+            <a:solidFill>
+              <a:schemeClr val="accent1"/>
+            </a:solidFill>
+            <a:ln>
+              <a:solidFill>
+                <a:schemeClr val="accent1"/>
+              </a:solidFill>
+            </a:ln>
+          </p:spPr>
+          <p:style>
+            <a:lnRef idx="2">
+              <a:schemeClr val="accent1">
+                <a:shade val="50000"/>
+              </a:schemeClr>
+            </a:lnRef>
+            <a:fillRef idx="1">
+              <a:schemeClr val="accent1"/>
+            </a:fillRef>
+            <a:effectRef idx="0">
+              <a:schemeClr val="accent1"/>
+            </a:effectRef>
+            <a:fontRef idx="minor">
+              <a:schemeClr val="lt1"/>
+            </a:fontRef>
+          </p:style>
+          <p:txBody>
+            <a:bodyPr rtlCol="0" anchor="ctr"/>
+            <a:lstStyle/>
+            <a:p>
+              <a:pPr algn="ctr"/>
+              <a:endParaRPr lang="en-US"/>
+            </a:p>
+          </p:txBody>
+        </p:sp>
+        <p:sp>
+          <p:nvSpPr>
+            <p:cNvPr id="20" name="Rectangle 19">
+              <a:extLst>
+                <a:ext uri="{FF2B5EF4-FFF2-40B4-BE49-F238E27FC236}">
+                  <a16:creationId xmlns:a16="http://schemas.microsoft.com/office/drawing/2014/main" id="{E86F58CC-D11C-420A-B045-613EED7C5749}"/>
+                </a:ext>
+              </a:extLst>
+            </p:cNvPr>
+            <p:cNvSpPr/>
+            <p:nvPr/>
+          </p:nvSpPr>
+          <p:spPr>
+            <a:xfrm rot="2919803">
+              <a:off x="1726529" y="3905391"/>
+              <a:ext cx="1932852" cy="566116"/>
+            </a:xfrm>
+            <a:prstGeom prst="rect">
+              <a:avLst/>
+            </a:prstGeom>
+            <a:solidFill>
+              <a:schemeClr val="accent1"/>
+            </a:solidFill>
+            <a:ln>
+              <a:solidFill>
+                <a:schemeClr val="accent1"/>
+              </a:solidFill>
+            </a:ln>
+          </p:spPr>
+          <p:style>
+            <a:lnRef idx="2">
+              <a:schemeClr val="accent1">
+                <a:shade val="50000"/>
+              </a:schemeClr>
+            </a:lnRef>
+            <a:fillRef idx="1">
+              <a:schemeClr val="accent1"/>
+            </a:fillRef>
+            <a:effectRef idx="0">
+              <a:schemeClr val="accent1"/>
+            </a:effectRef>
+            <a:fontRef idx="minor">
+              <a:schemeClr val="lt1"/>
+            </a:fontRef>
+          </p:style>
+          <p:txBody>
+            <a:bodyPr rtlCol="0" anchor="ctr"/>
+            <a:lstStyle/>
+            <a:p>
+              <a:pPr algn="ctr"/>
+              <a:endParaRPr lang="en-US"/>
+            </a:p>
+          </p:txBody>
+        </p:sp>
+      </p:grpSp>
+      <p:sp>
+        <p:nvSpPr>
+          <p:cNvPr id="21" name="Arrow: Right 20">
+            <a:extLst>
+              <a:ext uri="{FF2B5EF4-FFF2-40B4-BE49-F238E27FC236}">
+                <a16:creationId xmlns:a16="http://schemas.microsoft.com/office/drawing/2014/main" id="{6F8C0ADB-24ED-45CB-A851-FF9730CE7CF3}"/>
+              </a:ext>
+            </a:extLst>
+          </p:cNvPr>
+          <p:cNvSpPr/>
+          <p:nvPr/>
+        </p:nvSpPr>
+        <p:spPr>
+          <a:xfrm>
+            <a:off x="4473968" y="3750531"/>
+            <a:ext cx="666580" cy="470517"/>
+          </a:xfrm>
+          <a:prstGeom prst="rightArrow">
+            <a:avLst/>
+          </a:prstGeom>
+        </p:spPr>
+        <p:style>
+          <a:lnRef idx="2">
+            <a:schemeClr val="accent1">
+              <a:shade val="50000"/>
+            </a:schemeClr>
+          </a:lnRef>
+          <a:fillRef idx="1">
+            <a:schemeClr val="accent1"/>
+          </a:fillRef>
+          <a:effectRef idx="0">
+            <a:schemeClr val="accent1"/>
+          </a:effectRef>
+          <a:fontRef idx="minor">
+            <a:schemeClr val="lt1"/>
+          </a:fontRef>
+        </p:style>
+        <p:txBody>
+          <a:bodyPr rtlCol="0" anchor="ctr"/>
+          <a:lstStyle/>
+          <a:p>
+            <a:pPr algn="ctr"/>
+            <a:endParaRPr lang="en-US"/>
+          </a:p>
+        </p:txBody>
+      </p:sp>
+    </p:spTree>
+    <p:extLst>
+      <p:ext uri="{BB962C8B-B14F-4D97-AF65-F5344CB8AC3E}">
+        <p14:creationId xmlns:p14="http://schemas.microsoft.com/office/powerpoint/2010/main" val="1624783947"/>
+      </p:ext>
+    </p:extLst>
+  </p:cSld>
+  <p:clrMapOvr>
+    <a:masterClrMapping/>
+  </p:clrMapOvr>
+</p:sld>
+</file>
+
+<file path=ppt/slides/slide18.xml><?xml version="1.0" encoding="utf-8"?>
+<p:sld xmlns:a="http://schemas.openxmlformats.org/drawingml/2006/main" xmlns:r="http://schemas.openxmlformats.org/officeDocument/2006/relationships" xmlns:p="http://schemas.openxmlformats.org/presentationml/2006/main">
+  <p:cSld>
+    <p:spTree>
+      <p:nvGrpSpPr>
+        <p:cNvPr id="1" name=""/>
+        <p:cNvGrpSpPr/>
+        <p:nvPr/>
+      </p:nvGrpSpPr>
+      <p:grpSpPr>
+        <a:xfrm>
+          <a:off x="0" y="0"/>
+          <a:ext cx="0" cy="0"/>
+          <a:chOff x="0" y="0"/>
+          <a:chExt cx="0" cy="0"/>
+        </a:xfrm>
+      </p:grpSpPr>
+      <p:sp>
+        <p:nvSpPr>
+          <p:cNvPr id="2" name="Title 1">
+            <a:extLst>
+              <a:ext uri="{FF2B5EF4-FFF2-40B4-BE49-F238E27FC236}">
+                <a16:creationId xmlns:a16="http://schemas.microsoft.com/office/drawing/2014/main" id="{F35E43D2-8A7D-484E-A7BF-60A652D8AB95}"/>
+              </a:ext>
+            </a:extLst>
+          </p:cNvPr>
+          <p:cNvSpPr>
+            <a:spLocks noGrp="1"/>
+          </p:cNvSpPr>
+          <p:nvPr>
+            <p:ph type="title"/>
+          </p:nvPr>
+        </p:nvSpPr>
+        <p:spPr/>
+        <p:txBody>
+          <a:bodyPr/>
+          <a:lstStyle/>
+          <a:p>
+            <a:r>
+              <a:rPr lang="en-US" dirty="0"/>
+              <a:t>Turning – problem = Where is it placed ?</a:t>
+            </a:r>
+          </a:p>
+        </p:txBody>
+      </p:sp>
+      <p:sp>
+        <p:nvSpPr>
+          <p:cNvPr id="5" name="Rectangle 4">
+            <a:extLst>
+              <a:ext uri="{FF2B5EF4-FFF2-40B4-BE49-F238E27FC236}">
+                <a16:creationId xmlns:a16="http://schemas.microsoft.com/office/drawing/2014/main" id="{1B4C744D-6898-4092-A898-CBBF996C6A6D}"/>
+              </a:ext>
+            </a:extLst>
+          </p:cNvPr>
+          <p:cNvSpPr/>
+          <p:nvPr/>
+        </p:nvSpPr>
+        <p:spPr>
+          <a:xfrm>
+            <a:off x="1207364" y="2589745"/>
+            <a:ext cx="2823098" cy="2823098"/>
+          </a:xfrm>
+          <a:prstGeom prst="rect">
+            <a:avLst/>
+          </a:prstGeom>
+          <a:noFill/>
+          <a:ln w="76200">
+            <a:solidFill>
+              <a:schemeClr val="tx1"/>
+            </a:solidFill>
+          </a:ln>
+        </p:spPr>
+        <p:style>
+          <a:lnRef idx="2">
+            <a:schemeClr val="accent1">
+              <a:shade val="50000"/>
+            </a:schemeClr>
+          </a:lnRef>
+          <a:fillRef idx="1">
+            <a:schemeClr val="accent1"/>
+          </a:fillRef>
+          <a:effectRef idx="0">
+            <a:schemeClr val="accent1"/>
+          </a:effectRef>
+          <a:fontRef idx="minor">
+            <a:schemeClr val="lt1"/>
+          </a:fontRef>
+        </p:style>
+        <p:txBody>
+          <a:bodyPr rtlCol="0" anchor="ctr"/>
+          <a:lstStyle/>
+          <a:p>
+            <a:pPr algn="ctr"/>
+            <a:endParaRPr lang="en-US"/>
+          </a:p>
+        </p:txBody>
+      </p:sp>
+      <p:sp>
+        <p:nvSpPr>
+          <p:cNvPr id="6" name="Rectangle 5">
+            <a:extLst>
+              <a:ext uri="{FF2B5EF4-FFF2-40B4-BE49-F238E27FC236}">
+                <a16:creationId xmlns:a16="http://schemas.microsoft.com/office/drawing/2014/main" id="{E713B4AC-2F5F-4880-A697-0A48D806C944}"/>
+              </a:ext>
+            </a:extLst>
+          </p:cNvPr>
+          <p:cNvSpPr/>
+          <p:nvPr/>
+        </p:nvSpPr>
+        <p:spPr>
+          <a:xfrm>
+            <a:off x="5919833" y="2688627"/>
+            <a:ext cx="2660340" cy="2660340"/>
+          </a:xfrm>
+          <a:prstGeom prst="rect">
+            <a:avLst/>
+          </a:prstGeom>
+          <a:noFill/>
+          <a:ln w="76200">
+            <a:solidFill>
+              <a:schemeClr val="tx1"/>
+            </a:solidFill>
+          </a:ln>
+        </p:spPr>
+        <p:style>
+          <a:lnRef idx="2">
+            <a:schemeClr val="accent1">
+              <a:shade val="50000"/>
+            </a:schemeClr>
+          </a:lnRef>
+          <a:fillRef idx="1">
+            <a:schemeClr val="accent1"/>
+          </a:fillRef>
+          <a:effectRef idx="0">
+            <a:schemeClr val="accent1"/>
+          </a:effectRef>
+          <a:fontRef idx="minor">
+            <a:schemeClr val="lt1"/>
+          </a:fontRef>
+        </p:style>
+        <p:txBody>
+          <a:bodyPr rtlCol="0" anchor="ctr"/>
+          <a:lstStyle/>
+          <a:p>
+            <a:pPr algn="ctr"/>
+            <a:endParaRPr lang="en-US"/>
+          </a:p>
+        </p:txBody>
+      </p:sp>
+      <p:sp>
+        <p:nvSpPr>
+          <p:cNvPr id="13" name="Rectangle 12">
+            <a:extLst>
+              <a:ext uri="{FF2B5EF4-FFF2-40B4-BE49-F238E27FC236}">
+                <a16:creationId xmlns:a16="http://schemas.microsoft.com/office/drawing/2014/main" id="{6D3F1281-BEB7-4B3B-9F4E-8B3130C7607A}"/>
+              </a:ext>
+            </a:extLst>
+          </p:cNvPr>
+          <p:cNvSpPr/>
+          <p:nvPr/>
+        </p:nvSpPr>
+        <p:spPr>
+          <a:xfrm>
+            <a:off x="1207364" y="2589745"/>
+            <a:ext cx="1269506" cy="2823098"/>
+          </a:xfrm>
+          <a:prstGeom prst="rect">
+            <a:avLst/>
+          </a:prstGeom>
+          <a:solidFill>
+            <a:schemeClr val="accent1"/>
+          </a:solidFill>
+          <a:ln>
+            <a:solidFill>
+              <a:schemeClr val="accent1"/>
+            </a:solidFill>
+          </a:ln>
+        </p:spPr>
+        <p:style>
+          <a:lnRef idx="2">
+            <a:schemeClr val="accent1">
+              <a:shade val="50000"/>
+            </a:schemeClr>
+          </a:lnRef>
+          <a:fillRef idx="1">
+            <a:schemeClr val="accent1"/>
+          </a:fillRef>
+          <a:effectRef idx="0">
+            <a:schemeClr val="accent1"/>
+          </a:effectRef>
+          <a:fontRef idx="minor">
+            <a:schemeClr val="lt1"/>
+          </a:fontRef>
+        </p:style>
+        <p:txBody>
+          <a:bodyPr rtlCol="0" anchor="ctr"/>
+          <a:lstStyle/>
+          <a:p>
+            <a:pPr algn="ctr"/>
+            <a:endParaRPr lang="en-US"/>
+          </a:p>
+        </p:txBody>
+      </p:sp>
+      <p:sp>
+        <p:nvSpPr>
+          <p:cNvPr id="14" name="Rectangle 13">
+            <a:extLst>
+              <a:ext uri="{FF2B5EF4-FFF2-40B4-BE49-F238E27FC236}">
+                <a16:creationId xmlns:a16="http://schemas.microsoft.com/office/drawing/2014/main" id="{3354B77B-71DC-4741-A60B-2BAEF9E3B83C}"/>
+              </a:ext>
+            </a:extLst>
+          </p:cNvPr>
+          <p:cNvSpPr/>
+          <p:nvPr/>
+        </p:nvSpPr>
+        <p:spPr>
+          <a:xfrm>
+            <a:off x="1207364" y="4350058"/>
+            <a:ext cx="2512380" cy="1062785"/>
+          </a:xfrm>
+          <a:prstGeom prst="rect">
+            <a:avLst/>
+          </a:prstGeom>
+          <a:solidFill>
+            <a:schemeClr val="accent1"/>
+          </a:solidFill>
+          <a:ln>
+            <a:solidFill>
+              <a:schemeClr val="accent1"/>
+            </a:solidFill>
+          </a:ln>
+        </p:spPr>
+        <p:style>
+          <a:lnRef idx="2">
+            <a:schemeClr val="accent1">
+              <a:shade val="50000"/>
+            </a:schemeClr>
+          </a:lnRef>
+          <a:fillRef idx="1">
+            <a:schemeClr val="accent1"/>
+          </a:fillRef>
+          <a:effectRef idx="0">
+            <a:schemeClr val="accent1"/>
+          </a:effectRef>
+          <a:fontRef idx="minor">
+            <a:schemeClr val="lt1"/>
+          </a:fontRef>
+        </p:style>
+        <p:txBody>
+          <a:bodyPr rtlCol="0" anchor="ctr"/>
+          <a:lstStyle/>
+          <a:p>
+            <a:pPr algn="ctr"/>
+            <a:endParaRPr lang="en-US" dirty="0"/>
+          </a:p>
+        </p:txBody>
+      </p:sp>
+      <p:sp>
+        <p:nvSpPr>
+          <p:cNvPr id="15" name="Rectangle 14">
+            <a:extLst>
+              <a:ext uri="{FF2B5EF4-FFF2-40B4-BE49-F238E27FC236}">
+                <a16:creationId xmlns:a16="http://schemas.microsoft.com/office/drawing/2014/main" id="{DBB0E025-24DE-4EC2-8781-FB80F2E1B419}"/>
+              </a:ext>
+            </a:extLst>
+          </p:cNvPr>
+          <p:cNvSpPr/>
+          <p:nvPr/>
+        </p:nvSpPr>
+        <p:spPr>
+          <a:xfrm rot="2919803">
+            <a:off x="1726529" y="3905391"/>
+            <a:ext cx="1932852" cy="566116"/>
+          </a:xfrm>
+          <a:prstGeom prst="rect">
+            <a:avLst/>
+          </a:prstGeom>
+          <a:solidFill>
+            <a:schemeClr val="accent1"/>
+          </a:solidFill>
+          <a:ln>
+            <a:solidFill>
+              <a:schemeClr val="accent1"/>
+            </a:solidFill>
+          </a:ln>
+        </p:spPr>
+        <p:style>
+          <a:lnRef idx="2">
+            <a:schemeClr val="accent1">
+              <a:shade val="50000"/>
+            </a:schemeClr>
+          </a:lnRef>
+          <a:fillRef idx="1">
+            <a:schemeClr val="accent1"/>
+          </a:fillRef>
+          <a:effectRef idx="0">
+            <a:schemeClr val="accent1"/>
+          </a:effectRef>
+          <a:fontRef idx="minor">
+            <a:schemeClr val="lt1"/>
+          </a:fontRef>
+        </p:style>
+        <p:txBody>
+          <a:bodyPr rtlCol="0" anchor="ctr"/>
+          <a:lstStyle/>
+          <a:p>
+            <a:pPr algn="ctr"/>
+            <a:endParaRPr lang="en-US"/>
+          </a:p>
+        </p:txBody>
+      </p:sp>
+      <p:grpSp>
+        <p:nvGrpSpPr>
+          <p:cNvPr id="17" name="Group 16">
+            <a:extLst>
+              <a:ext uri="{FF2B5EF4-FFF2-40B4-BE49-F238E27FC236}">
+                <a16:creationId xmlns:a16="http://schemas.microsoft.com/office/drawing/2014/main" id="{CB5F5004-6699-4ECF-AE7E-37923DCB299D}"/>
+              </a:ext>
+            </a:extLst>
+          </p:cNvPr>
+          <p:cNvGrpSpPr/>
+          <p:nvPr/>
+        </p:nvGrpSpPr>
+        <p:grpSpPr>
+          <a:xfrm rot="18780857">
+            <a:off x="6345517" y="2999191"/>
+            <a:ext cx="1794269" cy="1984490"/>
+            <a:chOff x="1207364" y="2589745"/>
+            <a:chExt cx="2518459" cy="2823098"/>
+          </a:xfrm>
+        </p:grpSpPr>
+        <p:sp>
+          <p:nvSpPr>
+            <p:cNvPr id="18" name="Rectangle 17">
+              <a:extLst>
+                <a:ext uri="{FF2B5EF4-FFF2-40B4-BE49-F238E27FC236}">
+                  <a16:creationId xmlns:a16="http://schemas.microsoft.com/office/drawing/2014/main" id="{B949FB71-0909-480B-ADD9-09D9E90B3852}"/>
+                </a:ext>
+              </a:extLst>
+            </p:cNvPr>
+            <p:cNvSpPr/>
+            <p:nvPr/>
+          </p:nvSpPr>
+          <p:spPr>
+            <a:xfrm>
+              <a:off x="1207364" y="2589745"/>
+              <a:ext cx="1269506" cy="2823098"/>
+            </a:xfrm>
+            <a:prstGeom prst="rect">
+              <a:avLst/>
+            </a:prstGeom>
+            <a:solidFill>
+              <a:schemeClr val="accent1"/>
+            </a:solidFill>
+            <a:ln>
+              <a:solidFill>
+                <a:schemeClr val="accent1"/>
+              </a:solidFill>
+            </a:ln>
+          </p:spPr>
+          <p:style>
+            <a:lnRef idx="2">
+              <a:schemeClr val="accent1">
+                <a:shade val="50000"/>
+              </a:schemeClr>
+            </a:lnRef>
+            <a:fillRef idx="1">
+              <a:schemeClr val="accent1"/>
+            </a:fillRef>
+            <a:effectRef idx="0">
+              <a:schemeClr val="accent1"/>
+            </a:effectRef>
+            <a:fontRef idx="minor">
+              <a:schemeClr val="lt1"/>
+            </a:fontRef>
+          </p:style>
+          <p:txBody>
+            <a:bodyPr rtlCol="0" anchor="ctr"/>
+            <a:lstStyle/>
+            <a:p>
+              <a:pPr algn="ctr"/>
+              <a:endParaRPr lang="en-US"/>
+            </a:p>
+          </p:txBody>
+        </p:sp>
+        <p:sp>
+          <p:nvSpPr>
+            <p:cNvPr id="19" name="Rectangle 18">
+              <a:extLst>
+                <a:ext uri="{FF2B5EF4-FFF2-40B4-BE49-F238E27FC236}">
+                  <a16:creationId xmlns:a16="http://schemas.microsoft.com/office/drawing/2014/main" id="{57F0B858-A66D-4F66-817D-CD2B0C7085B0}"/>
+                </a:ext>
+              </a:extLst>
+            </p:cNvPr>
+            <p:cNvSpPr/>
+            <p:nvPr/>
+          </p:nvSpPr>
+          <p:spPr>
+            <a:xfrm>
+              <a:off x="1207364" y="4350057"/>
+              <a:ext cx="2518459" cy="1062785"/>
+            </a:xfrm>
+            <a:prstGeom prst="rect">
+              <a:avLst/>
+            </a:prstGeom>
+            <a:solidFill>
+              <a:schemeClr val="accent1"/>
+            </a:solidFill>
+            <a:ln>
+              <a:solidFill>
+                <a:schemeClr val="accent1"/>
+              </a:solidFill>
+            </a:ln>
+          </p:spPr>
+          <p:style>
+            <a:lnRef idx="2">
+              <a:schemeClr val="accent1">
+                <a:shade val="50000"/>
+              </a:schemeClr>
+            </a:lnRef>
+            <a:fillRef idx="1">
+              <a:schemeClr val="accent1"/>
+            </a:fillRef>
+            <a:effectRef idx="0">
+              <a:schemeClr val="accent1"/>
+            </a:effectRef>
+            <a:fontRef idx="minor">
+              <a:schemeClr val="lt1"/>
+            </a:fontRef>
+          </p:style>
+          <p:txBody>
+            <a:bodyPr rtlCol="0" anchor="ctr"/>
+            <a:lstStyle/>
+            <a:p>
+              <a:pPr algn="ctr"/>
+              <a:endParaRPr lang="en-US"/>
+            </a:p>
+          </p:txBody>
+        </p:sp>
+        <p:sp>
+          <p:nvSpPr>
+            <p:cNvPr id="20" name="Rectangle 19">
+              <a:extLst>
+                <a:ext uri="{FF2B5EF4-FFF2-40B4-BE49-F238E27FC236}">
+                  <a16:creationId xmlns:a16="http://schemas.microsoft.com/office/drawing/2014/main" id="{E86F58CC-D11C-420A-B045-613EED7C5749}"/>
+                </a:ext>
+              </a:extLst>
+            </p:cNvPr>
+            <p:cNvSpPr/>
+            <p:nvPr/>
+          </p:nvSpPr>
+          <p:spPr>
+            <a:xfrm rot="2919803">
+              <a:off x="1726529" y="3905391"/>
+              <a:ext cx="1932852" cy="566116"/>
+            </a:xfrm>
+            <a:prstGeom prst="rect">
+              <a:avLst/>
+            </a:prstGeom>
+            <a:solidFill>
+              <a:schemeClr val="accent1"/>
+            </a:solidFill>
+            <a:ln>
+              <a:solidFill>
+                <a:schemeClr val="accent1"/>
+              </a:solidFill>
+            </a:ln>
+          </p:spPr>
+          <p:style>
+            <a:lnRef idx="2">
+              <a:schemeClr val="accent1">
+                <a:shade val="50000"/>
+              </a:schemeClr>
+            </a:lnRef>
+            <a:fillRef idx="1">
+              <a:schemeClr val="accent1"/>
+            </a:fillRef>
+            <a:effectRef idx="0">
+              <a:schemeClr val="accent1"/>
+            </a:effectRef>
+            <a:fontRef idx="minor">
+              <a:schemeClr val="lt1"/>
+            </a:fontRef>
+          </p:style>
+          <p:txBody>
+            <a:bodyPr rtlCol="0" anchor="ctr"/>
+            <a:lstStyle/>
+            <a:p>
+              <a:pPr algn="ctr"/>
+              <a:endParaRPr lang="en-US"/>
+            </a:p>
+          </p:txBody>
+        </p:sp>
+      </p:grpSp>
+      <p:sp>
+        <p:nvSpPr>
+          <p:cNvPr id="21" name="Arrow: Right 20">
+            <a:extLst>
+              <a:ext uri="{FF2B5EF4-FFF2-40B4-BE49-F238E27FC236}">
+                <a16:creationId xmlns:a16="http://schemas.microsoft.com/office/drawing/2014/main" id="{6F8C0ADB-24ED-45CB-A851-FF9730CE7CF3}"/>
+              </a:ext>
+            </a:extLst>
+          </p:cNvPr>
+          <p:cNvSpPr/>
+          <p:nvPr/>
+        </p:nvSpPr>
+        <p:spPr>
+          <a:xfrm>
+            <a:off x="4695437" y="3677644"/>
+            <a:ext cx="666580" cy="470517"/>
+          </a:xfrm>
+          <a:prstGeom prst="rightArrow">
+            <a:avLst/>
+          </a:prstGeom>
+        </p:spPr>
+        <p:style>
+          <a:lnRef idx="2">
+            <a:schemeClr val="accent1">
+              <a:shade val="50000"/>
+            </a:schemeClr>
+          </a:lnRef>
+          <a:fillRef idx="1">
+            <a:schemeClr val="accent1"/>
+          </a:fillRef>
+          <a:effectRef idx="0">
+            <a:schemeClr val="accent1"/>
+          </a:effectRef>
+          <a:fontRef idx="minor">
+            <a:schemeClr val="lt1"/>
+          </a:fontRef>
+        </p:style>
+        <p:txBody>
+          <a:bodyPr rtlCol="0" anchor="ctr"/>
+          <a:lstStyle/>
+          <a:p>
+            <a:pPr algn="ctr"/>
+            <a:endParaRPr lang="en-US"/>
+          </a:p>
+        </p:txBody>
+      </p:sp>
+      <p:sp>
+        <p:nvSpPr>
+          <p:cNvPr id="4" name="TextBox 3">
+            <a:extLst>
+              <a:ext uri="{FF2B5EF4-FFF2-40B4-BE49-F238E27FC236}">
+                <a16:creationId xmlns:a16="http://schemas.microsoft.com/office/drawing/2014/main" id="{45AB0D92-2431-49B1-9CDC-7BA34C4DF142}"/>
+              </a:ext>
+            </a:extLst>
+          </p:cNvPr>
+          <p:cNvSpPr txBox="1"/>
+          <p:nvPr/>
+        </p:nvSpPr>
+        <p:spPr>
+          <a:xfrm>
+            <a:off x="9232777" y="2734322"/>
+            <a:ext cx="1180730" cy="369332"/>
+          </a:xfrm>
+          <a:prstGeom prst="rect">
+            <a:avLst/>
+          </a:prstGeom>
+          <a:noFill/>
+        </p:spPr>
+        <p:txBody>
+          <a:bodyPr wrap="square" rtlCol="0">
+            <a:spAutoFit/>
+          </a:bodyPr>
+          <a:lstStyle/>
+          <a:p>
+            <a:r>
+              <a:rPr lang="en-US" dirty="0"/>
+              <a:t>At top ?</a:t>
+            </a:r>
+          </a:p>
+        </p:txBody>
+      </p:sp>
+      <p:sp>
+        <p:nvSpPr>
+          <p:cNvPr id="22" name="TextBox 21">
+            <a:extLst>
+              <a:ext uri="{FF2B5EF4-FFF2-40B4-BE49-F238E27FC236}">
+                <a16:creationId xmlns:a16="http://schemas.microsoft.com/office/drawing/2014/main" id="{3113FDD2-09C0-4CD8-8DFD-3AF726FCE264}"/>
+              </a:ext>
+            </a:extLst>
+          </p:cNvPr>
+          <p:cNvSpPr txBox="1"/>
+          <p:nvPr/>
+        </p:nvSpPr>
+        <p:spPr>
+          <a:xfrm>
+            <a:off x="9113661" y="4881450"/>
+            <a:ext cx="1628320" cy="369332"/>
+          </a:xfrm>
+          <a:prstGeom prst="rect">
+            <a:avLst/>
+          </a:prstGeom>
+          <a:noFill/>
+        </p:spPr>
+        <p:txBody>
+          <a:bodyPr wrap="square" rtlCol="0">
+            <a:spAutoFit/>
+          </a:bodyPr>
+          <a:lstStyle/>
+          <a:p>
+            <a:r>
+              <a:rPr lang="en-US" dirty="0"/>
+              <a:t>At bottom ?</a:t>
+            </a:r>
+          </a:p>
+        </p:txBody>
+      </p:sp>
+      <p:sp>
+        <p:nvSpPr>
+          <p:cNvPr id="23" name="TextBox 22">
+            <a:extLst>
+              <a:ext uri="{FF2B5EF4-FFF2-40B4-BE49-F238E27FC236}">
+                <a16:creationId xmlns:a16="http://schemas.microsoft.com/office/drawing/2014/main" id="{72C18530-0396-4D21-8B72-E026C7C391D7}"/>
+              </a:ext>
+            </a:extLst>
+          </p:cNvPr>
+          <p:cNvSpPr txBox="1"/>
+          <p:nvPr/>
+        </p:nvSpPr>
+        <p:spPr>
+          <a:xfrm>
+            <a:off x="9063616" y="3838509"/>
+            <a:ext cx="1628320" cy="369332"/>
+          </a:xfrm>
+          <a:prstGeom prst="rect">
+            <a:avLst/>
+          </a:prstGeom>
+          <a:noFill/>
+        </p:spPr>
+        <p:txBody>
+          <a:bodyPr wrap="square" rtlCol="0">
+            <a:spAutoFit/>
+          </a:bodyPr>
+          <a:lstStyle/>
+          <a:p>
+            <a:r>
+              <a:rPr lang="en-US" dirty="0"/>
+              <a:t>At </a:t>
+            </a:r>
+            <a:r>
+              <a:rPr lang="en-US" dirty="0" err="1"/>
+              <a:t>centre</a:t>
+            </a:r>
+            <a:r>
+              <a:rPr lang="en-US" dirty="0"/>
+              <a:t> ?</a:t>
+            </a:r>
+          </a:p>
+        </p:txBody>
+      </p:sp>
+      <p:sp>
+        <p:nvSpPr>
+          <p:cNvPr id="7" name="TextBox 6">
+            <a:extLst>
+              <a:ext uri="{FF2B5EF4-FFF2-40B4-BE49-F238E27FC236}">
+                <a16:creationId xmlns:a16="http://schemas.microsoft.com/office/drawing/2014/main" id="{454427B8-8280-4146-A707-075256B46A1C}"/>
+              </a:ext>
+            </a:extLst>
+          </p:cNvPr>
+          <p:cNvSpPr txBox="1"/>
+          <p:nvPr/>
+        </p:nvSpPr>
+        <p:spPr>
+          <a:xfrm>
+            <a:off x="3542944" y="6019470"/>
+            <a:ext cx="5961720" cy="923330"/>
+          </a:xfrm>
+          <a:prstGeom prst="rect">
+            <a:avLst/>
+          </a:prstGeom>
+          <a:noFill/>
+        </p:spPr>
+        <p:txBody>
+          <a:bodyPr wrap="square" rtlCol="0">
+            <a:spAutoFit/>
+          </a:bodyPr>
+          <a:lstStyle/>
+          <a:p>
+            <a:r>
+              <a:rPr lang="en-US" dirty="0"/>
+              <a:t>Position needed – for Z direction</a:t>
+            </a:r>
+          </a:p>
+          <a:p>
+            <a:r>
+              <a:rPr lang="en-US" dirty="0">
+                <a:highlight>
+                  <a:srgbClr val="00FF00"/>
+                </a:highlight>
+              </a:rPr>
+              <a:t>Angle needed - for turning </a:t>
+            </a:r>
+          </a:p>
+          <a:p>
+            <a:r>
+              <a:rPr lang="en-US" dirty="0">
+                <a:highlight>
+                  <a:srgbClr val="FFFF00"/>
+                </a:highlight>
+              </a:rPr>
+              <a:t>relative size change needed – for scaling </a:t>
+            </a:r>
+          </a:p>
+        </p:txBody>
+      </p:sp>
+      <p:sp>
+        <p:nvSpPr>
+          <p:cNvPr id="9" name="Rectangle 8">
+            <a:extLst>
+              <a:ext uri="{FF2B5EF4-FFF2-40B4-BE49-F238E27FC236}">
+                <a16:creationId xmlns:a16="http://schemas.microsoft.com/office/drawing/2014/main" id="{A0164E29-B513-4723-85AF-1FBF021834C9}"/>
+              </a:ext>
+            </a:extLst>
+          </p:cNvPr>
+          <p:cNvSpPr/>
+          <p:nvPr/>
+        </p:nvSpPr>
+        <p:spPr>
+          <a:xfrm rot="2981511">
+            <a:off x="2293443" y="3785264"/>
+            <a:ext cx="501589" cy="637544"/>
+          </a:xfrm>
+          <a:prstGeom prst="rect">
+            <a:avLst/>
+          </a:prstGeom>
+          <a:ln>
+            <a:solidFill>
+              <a:srgbClr val="FF0000"/>
+            </a:solidFill>
+          </a:ln>
+        </p:spPr>
+        <p:style>
+          <a:lnRef idx="2">
+            <a:schemeClr val="accent1">
+              <a:shade val="50000"/>
+            </a:schemeClr>
+          </a:lnRef>
+          <a:fillRef idx="1">
+            <a:schemeClr val="accent1"/>
+          </a:fillRef>
+          <a:effectRef idx="0">
+            <a:schemeClr val="accent1"/>
+          </a:effectRef>
+          <a:fontRef idx="minor">
+            <a:schemeClr val="lt1"/>
+          </a:fontRef>
+        </p:style>
+        <p:txBody>
+          <a:bodyPr rtlCol="0" anchor="ctr"/>
+          <a:lstStyle/>
+          <a:p>
+            <a:pPr algn="ctr"/>
+            <a:endParaRPr lang="en-US"/>
+          </a:p>
+        </p:txBody>
+      </p:sp>
+      <p:sp>
+        <p:nvSpPr>
+          <p:cNvPr id="24" name="Rectangle 23">
+            <a:extLst>
+              <a:ext uri="{FF2B5EF4-FFF2-40B4-BE49-F238E27FC236}">
+                <a16:creationId xmlns:a16="http://schemas.microsoft.com/office/drawing/2014/main" id="{EFBFBBD0-A30B-4534-A33B-E6B8D83F5EDF}"/>
+              </a:ext>
+            </a:extLst>
+          </p:cNvPr>
+          <p:cNvSpPr/>
+          <p:nvPr/>
+        </p:nvSpPr>
+        <p:spPr>
+          <a:xfrm>
+            <a:off x="7104450" y="3758935"/>
+            <a:ext cx="501589" cy="637544"/>
+          </a:xfrm>
+          <a:prstGeom prst="rect">
+            <a:avLst/>
+          </a:prstGeom>
+          <a:ln>
+            <a:solidFill>
+              <a:srgbClr val="FF0000"/>
+            </a:solidFill>
+          </a:ln>
+        </p:spPr>
+        <p:style>
+          <a:lnRef idx="2">
+            <a:schemeClr val="accent1">
+              <a:shade val="50000"/>
+            </a:schemeClr>
+          </a:lnRef>
+          <a:fillRef idx="1">
+            <a:schemeClr val="accent1"/>
+          </a:fillRef>
+          <a:effectRef idx="0">
+            <a:schemeClr val="accent1"/>
+          </a:effectRef>
+          <a:fontRef idx="minor">
+            <a:schemeClr val="lt1"/>
+          </a:fontRef>
+        </p:style>
+        <p:txBody>
+          <a:bodyPr rtlCol="0" anchor="ctr"/>
+          <a:lstStyle/>
+          <a:p>
+            <a:pPr algn="ctr"/>
+            <a:endParaRPr lang="en-US"/>
+          </a:p>
+        </p:txBody>
+      </p:sp>
+      <p:cxnSp>
+        <p:nvCxnSpPr>
+          <p:cNvPr id="11" name="Straight Arrow Connector 10">
+            <a:extLst>
+              <a:ext uri="{FF2B5EF4-FFF2-40B4-BE49-F238E27FC236}">
+                <a16:creationId xmlns:a16="http://schemas.microsoft.com/office/drawing/2014/main" id="{6D30ACE3-6B8F-4310-8FC4-74C1A063D1C2}"/>
+              </a:ext>
+            </a:extLst>
+          </p:cNvPr>
+          <p:cNvCxnSpPr/>
+          <p:nvPr/>
+        </p:nvCxnSpPr>
+        <p:spPr>
+          <a:xfrm>
+            <a:off x="7451211" y="1328252"/>
+            <a:ext cx="0" cy="1738312"/>
+          </a:xfrm>
+          <a:prstGeom prst="straightConnector1">
+            <a:avLst/>
+          </a:prstGeom>
+          <a:ln>
+            <a:tailEnd type="triangle"/>
+          </a:ln>
+        </p:spPr>
+        <p:style>
+          <a:lnRef idx="1">
+            <a:schemeClr val="accent6"/>
+          </a:lnRef>
+          <a:fillRef idx="0">
+            <a:schemeClr val="accent6"/>
+          </a:fillRef>
+          <a:effectRef idx="0">
+            <a:schemeClr val="accent6"/>
+          </a:effectRef>
+          <a:fontRef idx="minor">
+            <a:schemeClr val="tx1"/>
+          </a:fontRef>
+        </p:style>
+      </p:cxnSp>
+      <p:cxnSp>
+        <p:nvCxnSpPr>
+          <p:cNvPr id="25" name="Straight Connector 24">
+            <a:extLst>
+              <a:ext uri="{FF2B5EF4-FFF2-40B4-BE49-F238E27FC236}">
+                <a16:creationId xmlns:a16="http://schemas.microsoft.com/office/drawing/2014/main" id="{D16857E5-27CC-4C97-9EF9-5C74286EF4D7}"/>
+              </a:ext>
+            </a:extLst>
+          </p:cNvPr>
+          <p:cNvCxnSpPr/>
+          <p:nvPr/>
+        </p:nvCxnSpPr>
+        <p:spPr>
+          <a:xfrm flipV="1">
+            <a:off x="1217550" y="2197408"/>
+            <a:ext cx="3311370" cy="3282202"/>
+          </a:xfrm>
+          <a:prstGeom prst="line">
+            <a:avLst/>
+          </a:prstGeom>
+          <a:ln w="28575">
+            <a:solidFill>
+              <a:schemeClr val="tx1"/>
+            </a:solidFill>
+            <a:prstDash val="dash"/>
+          </a:ln>
+        </p:spPr>
+        <p:style>
+          <a:lnRef idx="1">
+            <a:schemeClr val="accent1"/>
+          </a:lnRef>
+          <a:fillRef idx="0">
+            <a:schemeClr val="accent1"/>
+          </a:fillRef>
+          <a:effectRef idx="0">
+            <a:schemeClr val="accent1"/>
+          </a:effectRef>
+          <a:fontRef idx="minor">
+            <a:schemeClr val="tx1"/>
+          </a:fontRef>
+        </p:style>
+      </p:cxnSp>
+      <p:cxnSp>
+        <p:nvCxnSpPr>
+          <p:cNvPr id="27" name="Straight Connector 26">
+            <a:extLst>
+              <a:ext uri="{FF2B5EF4-FFF2-40B4-BE49-F238E27FC236}">
+                <a16:creationId xmlns:a16="http://schemas.microsoft.com/office/drawing/2014/main" id="{F745B923-BD2C-4F4A-87F2-2B909D3982EB}"/>
+              </a:ext>
+            </a:extLst>
+          </p:cNvPr>
+          <p:cNvCxnSpPr>
+            <a:cxnSpLocks/>
+          </p:cNvCxnSpPr>
+          <p:nvPr/>
+        </p:nvCxnSpPr>
+        <p:spPr>
+          <a:xfrm>
+            <a:off x="2448322" y="2483936"/>
+            <a:ext cx="1745872" cy="2222215"/>
+          </a:xfrm>
+          <a:prstGeom prst="line">
+            <a:avLst/>
+          </a:prstGeom>
+          <a:ln w="41275">
+            <a:solidFill>
+              <a:schemeClr val="accent6"/>
+            </a:solidFill>
+          </a:ln>
+        </p:spPr>
+        <p:style>
+          <a:lnRef idx="1">
+            <a:schemeClr val="accent1"/>
+          </a:lnRef>
+          <a:fillRef idx="0">
+            <a:schemeClr val="accent1"/>
+          </a:fillRef>
+          <a:effectRef idx="0">
+            <a:schemeClr val="accent1"/>
+          </a:effectRef>
+          <a:fontRef idx="minor">
+            <a:schemeClr val="tx1"/>
+          </a:fontRef>
+        </p:style>
+      </p:cxnSp>
+      <p:sp>
+        <p:nvSpPr>
+          <p:cNvPr id="30" name="TextBox 29">
+            <a:extLst>
+              <a:ext uri="{FF2B5EF4-FFF2-40B4-BE49-F238E27FC236}">
+                <a16:creationId xmlns:a16="http://schemas.microsoft.com/office/drawing/2014/main" id="{0861CB99-5E67-4D73-A20D-8FFD8798DF4E}"/>
+              </a:ext>
+            </a:extLst>
+          </p:cNvPr>
+          <p:cNvSpPr txBox="1"/>
+          <p:nvPr/>
+        </p:nvSpPr>
+        <p:spPr>
+          <a:xfrm>
+            <a:off x="2492903" y="5504707"/>
+            <a:ext cx="400104" cy="369332"/>
+          </a:xfrm>
+          <a:prstGeom prst="rect">
+            <a:avLst/>
+          </a:prstGeom>
+          <a:noFill/>
+        </p:spPr>
+        <p:txBody>
+          <a:bodyPr wrap="square" rtlCol="0">
+            <a:spAutoFit/>
+          </a:bodyPr>
+          <a:lstStyle/>
+          <a:p>
+            <a:r>
+              <a:rPr lang="en-US" dirty="0"/>
+              <a:t>X</a:t>
+            </a:r>
+          </a:p>
+        </p:txBody>
+      </p:sp>
+      <p:sp>
+        <p:nvSpPr>
+          <p:cNvPr id="31" name="TextBox 30">
+            <a:extLst>
+              <a:ext uri="{FF2B5EF4-FFF2-40B4-BE49-F238E27FC236}">
+                <a16:creationId xmlns:a16="http://schemas.microsoft.com/office/drawing/2014/main" id="{A3CAA9B3-1806-4F47-8BA7-48D34E9C4633}"/>
+              </a:ext>
+            </a:extLst>
+          </p:cNvPr>
+          <p:cNvSpPr txBox="1"/>
+          <p:nvPr/>
+        </p:nvSpPr>
+        <p:spPr>
+          <a:xfrm>
+            <a:off x="790595" y="3834131"/>
+            <a:ext cx="247704" cy="369332"/>
+          </a:xfrm>
+          <a:prstGeom prst="rect">
+            <a:avLst/>
+          </a:prstGeom>
+          <a:noFill/>
+        </p:spPr>
+        <p:txBody>
+          <a:bodyPr wrap="square" rtlCol="0">
+            <a:spAutoFit/>
+          </a:bodyPr>
+          <a:lstStyle/>
+          <a:p>
+            <a:r>
+              <a:rPr lang="en-US" dirty="0"/>
+              <a:t>X</a:t>
+            </a:r>
+          </a:p>
+        </p:txBody>
+      </p:sp>
+      <p:sp>
+        <p:nvSpPr>
+          <p:cNvPr id="32" name="TextBox 31">
+            <a:extLst>
+              <a:ext uri="{FF2B5EF4-FFF2-40B4-BE49-F238E27FC236}">
+                <a16:creationId xmlns:a16="http://schemas.microsoft.com/office/drawing/2014/main" id="{C87E5659-F2FE-4EF0-8DC3-8927739F71E0}"/>
+              </a:ext>
+            </a:extLst>
+          </p:cNvPr>
+          <p:cNvSpPr txBox="1"/>
+          <p:nvPr/>
+        </p:nvSpPr>
+        <p:spPr>
+          <a:xfrm>
+            <a:off x="1832432" y="3502062"/>
+            <a:ext cx="1299403" cy="261610"/>
+          </a:xfrm>
+          <a:prstGeom prst="rect">
+            <a:avLst/>
+          </a:prstGeom>
+          <a:noFill/>
+        </p:spPr>
+        <p:txBody>
+          <a:bodyPr wrap="square" rtlCol="0">
+            <a:spAutoFit/>
+          </a:bodyPr>
+          <a:lstStyle/>
+          <a:p>
+            <a:r>
+              <a:rPr lang="en-US" sz="1100" dirty="0"/>
+              <a:t>X*(2)**0.5</a:t>
+            </a:r>
+          </a:p>
+        </p:txBody>
+      </p:sp>
+      <p:sp>
+        <p:nvSpPr>
+          <p:cNvPr id="33" name="TextBox 32">
+            <a:extLst>
+              <a:ext uri="{FF2B5EF4-FFF2-40B4-BE49-F238E27FC236}">
+                <a16:creationId xmlns:a16="http://schemas.microsoft.com/office/drawing/2014/main" id="{EDC329FD-2751-4D96-94DF-5C8B1D0F31B7}"/>
+              </a:ext>
+            </a:extLst>
+          </p:cNvPr>
+          <p:cNvSpPr txBox="1"/>
+          <p:nvPr/>
+        </p:nvSpPr>
+        <p:spPr>
+          <a:xfrm>
+            <a:off x="4820574" y="298358"/>
+            <a:ext cx="5078025" cy="369332"/>
+          </a:xfrm>
+          <a:prstGeom prst="rect">
+            <a:avLst/>
+          </a:prstGeom>
+          <a:noFill/>
+        </p:spPr>
+        <p:txBody>
+          <a:bodyPr wrap="square" rtlCol="0">
+            <a:spAutoFit/>
+          </a:bodyPr>
+          <a:lstStyle/>
+          <a:p>
+            <a:r>
+              <a:rPr lang="en-US" dirty="0"/>
+              <a:t>X2+x2 = c2 </a:t>
+            </a:r>
+            <a:r>
+              <a:rPr lang="en-US" dirty="0">
+                <a:sym typeface="Wingdings" panose="05000000000000000000" pitchFamily="2" charset="2"/>
+              </a:rPr>
+              <a:t> c= q2 (2 x2) = x* q2 (2)  f = c/x = q2(2)</a:t>
+            </a:r>
+            <a:endParaRPr lang="en-US" dirty="0"/>
+          </a:p>
+        </p:txBody>
+      </p:sp>
+      <p:cxnSp>
+        <p:nvCxnSpPr>
+          <p:cNvPr id="35" name="Straight Connector 34">
+            <a:extLst>
+              <a:ext uri="{FF2B5EF4-FFF2-40B4-BE49-F238E27FC236}">
+                <a16:creationId xmlns:a16="http://schemas.microsoft.com/office/drawing/2014/main" id="{3819EF8F-1F17-477D-9A31-68A6BE38A83F}"/>
+              </a:ext>
+            </a:extLst>
+          </p:cNvPr>
+          <p:cNvCxnSpPr/>
+          <p:nvPr/>
+        </p:nvCxnSpPr>
+        <p:spPr>
+          <a:xfrm>
+            <a:off x="7045152" y="3613212"/>
+            <a:ext cx="601367" cy="0"/>
+          </a:xfrm>
+          <a:prstGeom prst="line">
+            <a:avLst/>
+          </a:prstGeom>
+          <a:ln w="38100">
+            <a:solidFill>
+              <a:srgbClr val="00B050"/>
+            </a:solidFill>
+          </a:ln>
+        </p:spPr>
+        <p:style>
+          <a:lnRef idx="1">
+            <a:schemeClr val="accent1"/>
+          </a:lnRef>
+          <a:fillRef idx="0">
+            <a:schemeClr val="accent1"/>
+          </a:fillRef>
+          <a:effectRef idx="0">
+            <a:schemeClr val="accent1"/>
+          </a:effectRef>
+          <a:fontRef idx="minor">
+            <a:schemeClr val="tx1"/>
+          </a:fontRef>
+        </p:style>
+      </p:cxnSp>
+      <p:sp>
+        <p:nvSpPr>
+          <p:cNvPr id="36" name="TextBox 35">
+            <a:extLst>
+              <a:ext uri="{FF2B5EF4-FFF2-40B4-BE49-F238E27FC236}">
+                <a16:creationId xmlns:a16="http://schemas.microsoft.com/office/drawing/2014/main" id="{C7242CEC-0123-4BCF-BC73-D43A038477D6}"/>
+              </a:ext>
+            </a:extLst>
+          </p:cNvPr>
+          <p:cNvSpPr txBox="1"/>
+          <p:nvPr/>
+        </p:nvSpPr>
+        <p:spPr>
+          <a:xfrm>
+            <a:off x="7153588" y="3271242"/>
+            <a:ext cx="295274" cy="369332"/>
+          </a:xfrm>
+          <a:prstGeom prst="rect">
+            <a:avLst/>
+          </a:prstGeom>
+          <a:noFill/>
+        </p:spPr>
+        <p:txBody>
+          <a:bodyPr wrap="none" rtlCol="0">
+            <a:spAutoFit/>
+          </a:bodyPr>
+          <a:lstStyle/>
+          <a:p>
+            <a:r>
+              <a:rPr lang="en-US" dirty="0"/>
+              <a:t>a</a:t>
+            </a:r>
+          </a:p>
+        </p:txBody>
+      </p:sp>
+      <p:cxnSp>
+        <p:nvCxnSpPr>
+          <p:cNvPr id="37" name="Straight Connector 36">
+            <a:extLst>
+              <a:ext uri="{FF2B5EF4-FFF2-40B4-BE49-F238E27FC236}">
+                <a16:creationId xmlns:a16="http://schemas.microsoft.com/office/drawing/2014/main" id="{F36ED860-D784-496B-B891-1B108395B728}"/>
+              </a:ext>
+            </a:extLst>
+          </p:cNvPr>
+          <p:cNvCxnSpPr>
+            <a:cxnSpLocks/>
+          </p:cNvCxnSpPr>
+          <p:nvPr/>
+        </p:nvCxnSpPr>
+        <p:spPr>
+          <a:xfrm>
+            <a:off x="2756538" y="3598867"/>
+            <a:ext cx="344898" cy="425797"/>
+          </a:xfrm>
+          <a:prstGeom prst="line">
+            <a:avLst/>
+          </a:prstGeom>
+          <a:ln w="38100">
+            <a:solidFill>
+              <a:srgbClr val="00B050"/>
+            </a:solidFill>
+          </a:ln>
+        </p:spPr>
+        <p:style>
+          <a:lnRef idx="1">
+            <a:schemeClr val="accent1"/>
+          </a:lnRef>
+          <a:fillRef idx="0">
+            <a:schemeClr val="accent1"/>
+          </a:fillRef>
+          <a:effectRef idx="0">
+            <a:schemeClr val="accent1"/>
+          </a:effectRef>
+          <a:fontRef idx="minor">
+            <a:schemeClr val="tx1"/>
+          </a:fontRef>
+        </p:style>
+      </p:cxnSp>
+      <p:sp>
+        <p:nvSpPr>
+          <p:cNvPr id="39" name="TextBox 38">
+            <a:extLst>
+              <a:ext uri="{FF2B5EF4-FFF2-40B4-BE49-F238E27FC236}">
+                <a16:creationId xmlns:a16="http://schemas.microsoft.com/office/drawing/2014/main" id="{7EDA8842-46B1-4B87-9A62-D3C3F4D5D2A9}"/>
+              </a:ext>
+            </a:extLst>
+          </p:cNvPr>
+          <p:cNvSpPr txBox="1"/>
+          <p:nvPr/>
+        </p:nvSpPr>
+        <p:spPr>
+          <a:xfrm>
+            <a:off x="3008457" y="3598867"/>
+            <a:ext cx="1024639" cy="369332"/>
+          </a:xfrm>
+          <a:prstGeom prst="rect">
+            <a:avLst/>
+          </a:prstGeom>
+          <a:noFill/>
+        </p:spPr>
+        <p:txBody>
+          <a:bodyPr wrap="none" rtlCol="0">
+            <a:spAutoFit/>
+          </a:bodyPr>
+          <a:lstStyle/>
+          <a:p>
+            <a:r>
+              <a:rPr lang="en-US" dirty="0"/>
+              <a:t>A*</a:t>
+            </a:r>
+            <a:r>
+              <a:rPr lang="en-US" dirty="0" err="1"/>
+              <a:t>squ</a:t>
+            </a:r>
+            <a:r>
+              <a:rPr lang="en-US" dirty="0"/>
+              <a:t>(2)</a:t>
+            </a:r>
+          </a:p>
+        </p:txBody>
+      </p:sp>
+      <p:cxnSp>
+        <p:nvCxnSpPr>
+          <p:cNvPr id="41" name="Straight Connector 40">
+            <a:extLst>
+              <a:ext uri="{FF2B5EF4-FFF2-40B4-BE49-F238E27FC236}">
+                <a16:creationId xmlns:a16="http://schemas.microsoft.com/office/drawing/2014/main" id="{45F6D504-1CEF-462E-91E1-FC60C827B5D6}"/>
+              </a:ext>
+            </a:extLst>
+          </p:cNvPr>
+          <p:cNvCxnSpPr/>
+          <p:nvPr/>
+        </p:nvCxnSpPr>
+        <p:spPr>
+          <a:xfrm flipV="1">
+            <a:off x="3143229" y="4881450"/>
+            <a:ext cx="1279693" cy="1066589"/>
+          </a:xfrm>
+          <a:prstGeom prst="line">
+            <a:avLst/>
+          </a:prstGeom>
+          <a:ln w="57150"/>
+        </p:spPr>
+        <p:style>
+          <a:lnRef idx="1">
+            <a:schemeClr val="accent1"/>
+          </a:lnRef>
+          <a:fillRef idx="0">
+            <a:schemeClr val="accent1"/>
+          </a:fillRef>
+          <a:effectRef idx="0">
+            <a:schemeClr val="accent1"/>
+          </a:effectRef>
+          <a:fontRef idx="minor">
+            <a:schemeClr val="tx1"/>
+          </a:fontRef>
+        </p:style>
+      </p:cxnSp>
+      <p:sp>
+        <p:nvSpPr>
+          <p:cNvPr id="42" name="TextBox 41">
+            <a:extLst>
+              <a:ext uri="{FF2B5EF4-FFF2-40B4-BE49-F238E27FC236}">
+                <a16:creationId xmlns:a16="http://schemas.microsoft.com/office/drawing/2014/main" id="{5324C32E-1A80-4DD0-BEB2-1482C6AF67B1}"/>
+              </a:ext>
+            </a:extLst>
+          </p:cNvPr>
+          <p:cNvSpPr txBox="1"/>
+          <p:nvPr/>
+        </p:nvSpPr>
+        <p:spPr>
+          <a:xfrm>
+            <a:off x="8904303" y="5689373"/>
+            <a:ext cx="1837678" cy="646331"/>
+          </a:xfrm>
+          <a:prstGeom prst="rect">
+            <a:avLst/>
+          </a:prstGeom>
+          <a:noFill/>
+        </p:spPr>
+        <p:txBody>
+          <a:bodyPr wrap="square" rtlCol="0">
+            <a:spAutoFit/>
+          </a:bodyPr>
+          <a:lstStyle/>
+          <a:p>
+            <a:r>
+              <a:rPr lang="en-US" dirty="0"/>
+              <a:t>X2 min max</a:t>
+            </a:r>
+          </a:p>
+          <a:p>
+            <a:r>
+              <a:rPr lang="en-US" dirty="0"/>
+              <a:t>Y2 min, max</a:t>
+            </a:r>
+          </a:p>
+        </p:txBody>
+      </p:sp>
+    </p:spTree>
+    <p:extLst>
+      <p:ext uri="{BB962C8B-B14F-4D97-AF65-F5344CB8AC3E}">
+        <p14:creationId xmlns:p14="http://schemas.microsoft.com/office/powerpoint/2010/main" val="386733192"/>
+      </p:ext>
+    </p:extLst>
+  </p:cSld>
+  <p:clrMapOvr>
+    <a:masterClrMapping/>
+  </p:clrMapOvr>
+</p:sld>
+</file>
+
+<file path=ppt/slides/slide19.xml><?xml version="1.0" encoding="utf-8"?>
+<p:sld xmlns:a="http://schemas.openxmlformats.org/drawingml/2006/main" xmlns:r="http://schemas.openxmlformats.org/officeDocument/2006/relationships" xmlns:p="http://schemas.openxmlformats.org/presentationml/2006/main">
+  <p:cSld>
+    <p:spTree>
+      <p:nvGrpSpPr>
+        <p:cNvPr id="1" name=""/>
+        <p:cNvGrpSpPr/>
+        <p:nvPr/>
+      </p:nvGrpSpPr>
+      <p:grpSpPr>
+        <a:xfrm>
+          <a:off x="0" y="0"/>
+          <a:ext cx="0" cy="0"/>
+          <a:chOff x="0" y="0"/>
+          <a:chExt cx="0" cy="0"/>
+        </a:xfrm>
+      </p:grpSpPr>
+      <p:sp>
+        <p:nvSpPr>
+          <p:cNvPr id="2" name="Title 1">
+            <a:extLst>
+              <a:ext uri="{FF2B5EF4-FFF2-40B4-BE49-F238E27FC236}">
+                <a16:creationId xmlns:a16="http://schemas.microsoft.com/office/drawing/2014/main" id="{F35E43D2-8A7D-484E-A7BF-60A652D8AB95}"/>
+              </a:ext>
+            </a:extLst>
+          </p:cNvPr>
+          <p:cNvSpPr>
+            <a:spLocks noGrp="1"/>
+          </p:cNvSpPr>
+          <p:nvPr>
+            <p:ph type="title"/>
+          </p:nvPr>
+        </p:nvSpPr>
+        <p:spPr/>
+        <p:txBody>
+          <a:bodyPr/>
+          <a:lstStyle/>
+          <a:p>
+            <a:r>
+              <a:rPr lang="en-US" dirty="0"/>
+              <a:t>Turning – problem = Size not constant</a:t>
+            </a:r>
+          </a:p>
+        </p:txBody>
+      </p:sp>
+      <p:grpSp>
+        <p:nvGrpSpPr>
+          <p:cNvPr id="16" name="Group 15">
+            <a:extLst>
+              <a:ext uri="{FF2B5EF4-FFF2-40B4-BE49-F238E27FC236}">
+                <a16:creationId xmlns:a16="http://schemas.microsoft.com/office/drawing/2014/main" id="{91F8C34B-BE20-4B20-9416-24FAC8235907}"/>
+              </a:ext>
+            </a:extLst>
+          </p:cNvPr>
+          <p:cNvGrpSpPr/>
+          <p:nvPr/>
+        </p:nvGrpSpPr>
+        <p:grpSpPr>
+          <a:xfrm>
+            <a:off x="3480187" y="3006996"/>
+            <a:ext cx="2823098" cy="2823098"/>
+            <a:chOff x="1207364" y="2589745"/>
+            <a:chExt cx="2823098" cy="2823098"/>
+          </a:xfrm>
+        </p:grpSpPr>
+        <p:sp>
+          <p:nvSpPr>
+            <p:cNvPr id="13" name="Rectangle 12">
+              <a:extLst>
+                <a:ext uri="{FF2B5EF4-FFF2-40B4-BE49-F238E27FC236}">
+                  <a16:creationId xmlns:a16="http://schemas.microsoft.com/office/drawing/2014/main" id="{6D3F1281-BEB7-4B3B-9F4E-8B3130C7607A}"/>
+                </a:ext>
+              </a:extLst>
+            </p:cNvPr>
+            <p:cNvSpPr/>
+            <p:nvPr/>
+          </p:nvSpPr>
+          <p:spPr>
+            <a:xfrm>
+              <a:off x="1207364" y="2589745"/>
+              <a:ext cx="1269506" cy="2823098"/>
+            </a:xfrm>
+            <a:prstGeom prst="rect">
+              <a:avLst/>
+            </a:prstGeom>
+            <a:solidFill>
+              <a:schemeClr val="accent1"/>
+            </a:solidFill>
+            <a:ln>
+              <a:solidFill>
+                <a:schemeClr val="accent1"/>
+              </a:solidFill>
+            </a:ln>
+          </p:spPr>
+          <p:style>
+            <a:lnRef idx="2">
+              <a:schemeClr val="accent1">
+                <a:shade val="50000"/>
+              </a:schemeClr>
+            </a:lnRef>
+            <a:fillRef idx="1">
+              <a:schemeClr val="accent1"/>
+            </a:fillRef>
+            <a:effectRef idx="0">
+              <a:schemeClr val="accent1"/>
+            </a:effectRef>
+            <a:fontRef idx="minor">
+              <a:schemeClr val="lt1"/>
+            </a:fontRef>
+          </p:style>
+          <p:txBody>
+            <a:bodyPr rtlCol="0" anchor="ctr"/>
+            <a:lstStyle/>
+            <a:p>
+              <a:pPr algn="ctr"/>
+              <a:endParaRPr lang="en-US"/>
+            </a:p>
+          </p:txBody>
+        </p:sp>
+        <p:sp>
+          <p:nvSpPr>
+            <p:cNvPr id="14" name="Rectangle 13">
+              <a:extLst>
+                <a:ext uri="{FF2B5EF4-FFF2-40B4-BE49-F238E27FC236}">
+                  <a16:creationId xmlns:a16="http://schemas.microsoft.com/office/drawing/2014/main" id="{3354B77B-71DC-4741-A60B-2BAEF9E3B83C}"/>
+                </a:ext>
+              </a:extLst>
+            </p:cNvPr>
+            <p:cNvSpPr/>
+            <p:nvPr/>
+          </p:nvSpPr>
+          <p:spPr>
+            <a:xfrm>
+              <a:off x="1207364" y="4350058"/>
+              <a:ext cx="2823098" cy="1062785"/>
+            </a:xfrm>
+            <a:prstGeom prst="rect">
+              <a:avLst/>
+            </a:prstGeom>
+            <a:solidFill>
+              <a:schemeClr val="accent1"/>
+            </a:solidFill>
+            <a:ln>
+              <a:solidFill>
+                <a:schemeClr val="accent1"/>
+              </a:solidFill>
+            </a:ln>
+          </p:spPr>
+          <p:style>
+            <a:lnRef idx="2">
+              <a:schemeClr val="accent1">
+                <a:shade val="50000"/>
+              </a:schemeClr>
+            </a:lnRef>
+            <a:fillRef idx="1">
+              <a:schemeClr val="accent1"/>
+            </a:fillRef>
+            <a:effectRef idx="0">
+              <a:schemeClr val="accent1"/>
+            </a:effectRef>
+            <a:fontRef idx="minor">
+              <a:schemeClr val="lt1"/>
+            </a:fontRef>
+          </p:style>
+          <p:txBody>
+            <a:bodyPr rtlCol="0" anchor="ctr"/>
+            <a:lstStyle/>
+            <a:p>
+              <a:pPr algn="ctr"/>
+              <a:endParaRPr lang="en-US"/>
+            </a:p>
+          </p:txBody>
+        </p:sp>
+        <p:sp>
+          <p:nvSpPr>
+            <p:cNvPr id="15" name="Rectangle 14">
+              <a:extLst>
+                <a:ext uri="{FF2B5EF4-FFF2-40B4-BE49-F238E27FC236}">
+                  <a16:creationId xmlns:a16="http://schemas.microsoft.com/office/drawing/2014/main" id="{DBB0E025-24DE-4EC2-8781-FB80F2E1B419}"/>
+                </a:ext>
+              </a:extLst>
+            </p:cNvPr>
+            <p:cNvSpPr/>
+            <p:nvPr/>
+          </p:nvSpPr>
+          <p:spPr>
+            <a:xfrm rot="2919803">
+              <a:off x="1726529" y="3905391"/>
+              <a:ext cx="1932852" cy="566116"/>
+            </a:xfrm>
+            <a:prstGeom prst="rect">
+              <a:avLst/>
+            </a:prstGeom>
+            <a:solidFill>
+              <a:schemeClr val="accent1"/>
+            </a:solidFill>
+            <a:ln>
+              <a:solidFill>
+                <a:schemeClr val="accent1"/>
+              </a:solidFill>
+            </a:ln>
+          </p:spPr>
+          <p:style>
+            <a:lnRef idx="2">
+              <a:schemeClr val="accent1">
+                <a:shade val="50000"/>
+              </a:schemeClr>
+            </a:lnRef>
+            <a:fillRef idx="1">
+              <a:schemeClr val="accent1"/>
+            </a:fillRef>
+            <a:effectRef idx="0">
+              <a:schemeClr val="accent1"/>
+            </a:effectRef>
+            <a:fontRef idx="minor">
+              <a:schemeClr val="lt1"/>
+            </a:fontRef>
+          </p:style>
+          <p:txBody>
+            <a:bodyPr rtlCol="0" anchor="ctr"/>
+            <a:lstStyle/>
+            <a:p>
+              <a:pPr algn="ctr"/>
+              <a:endParaRPr lang="en-US"/>
+            </a:p>
+          </p:txBody>
+        </p:sp>
+      </p:grpSp>
+      <p:grpSp>
+        <p:nvGrpSpPr>
+          <p:cNvPr id="17" name="Group 16">
+            <a:extLst>
+              <a:ext uri="{FF2B5EF4-FFF2-40B4-BE49-F238E27FC236}">
+                <a16:creationId xmlns:a16="http://schemas.microsoft.com/office/drawing/2014/main" id="{CB5F5004-6699-4ECF-AE7E-37923DCB299D}"/>
+              </a:ext>
+            </a:extLst>
+          </p:cNvPr>
+          <p:cNvGrpSpPr/>
+          <p:nvPr/>
+        </p:nvGrpSpPr>
+        <p:grpSpPr>
+          <a:xfrm rot="18780857">
+            <a:off x="2006493" y="2419890"/>
+            <a:ext cx="2823098" cy="2823098"/>
+            <a:chOff x="1207364" y="2589745"/>
+            <a:chExt cx="2823098" cy="2823098"/>
+          </a:xfrm>
+          <a:solidFill>
+            <a:srgbClr val="FF0000"/>
+          </a:solidFill>
+        </p:grpSpPr>
+        <p:sp>
+          <p:nvSpPr>
+            <p:cNvPr id="18" name="Rectangle 17">
+              <a:extLst>
+                <a:ext uri="{FF2B5EF4-FFF2-40B4-BE49-F238E27FC236}">
+                  <a16:creationId xmlns:a16="http://schemas.microsoft.com/office/drawing/2014/main" id="{B949FB71-0909-480B-ADD9-09D9E90B3852}"/>
+                </a:ext>
+              </a:extLst>
+            </p:cNvPr>
+            <p:cNvSpPr/>
+            <p:nvPr/>
+          </p:nvSpPr>
+          <p:spPr>
+            <a:xfrm>
+              <a:off x="1207364" y="2589745"/>
+              <a:ext cx="1269506" cy="2823098"/>
+            </a:xfrm>
+            <a:prstGeom prst="rect">
+              <a:avLst/>
+            </a:prstGeom>
+            <a:grpFill/>
+            <a:ln>
+              <a:solidFill>
+                <a:schemeClr val="accent1"/>
+              </a:solidFill>
+            </a:ln>
+          </p:spPr>
+          <p:style>
+            <a:lnRef idx="2">
+              <a:schemeClr val="accent1">
+                <a:shade val="50000"/>
+              </a:schemeClr>
+            </a:lnRef>
+            <a:fillRef idx="1">
+              <a:schemeClr val="accent1"/>
+            </a:fillRef>
+            <a:effectRef idx="0">
+              <a:schemeClr val="accent1"/>
+            </a:effectRef>
+            <a:fontRef idx="minor">
+              <a:schemeClr val="lt1"/>
+            </a:fontRef>
+          </p:style>
+          <p:txBody>
+            <a:bodyPr rtlCol="0" anchor="ctr"/>
+            <a:lstStyle/>
+            <a:p>
+              <a:pPr algn="ctr"/>
+              <a:endParaRPr lang="en-US" dirty="0"/>
+            </a:p>
+          </p:txBody>
+        </p:sp>
+        <p:sp>
+          <p:nvSpPr>
+            <p:cNvPr id="19" name="Rectangle 18">
+              <a:extLst>
+                <a:ext uri="{FF2B5EF4-FFF2-40B4-BE49-F238E27FC236}">
+                  <a16:creationId xmlns:a16="http://schemas.microsoft.com/office/drawing/2014/main" id="{57F0B858-A66D-4F66-817D-CD2B0C7085B0}"/>
+                </a:ext>
+              </a:extLst>
+            </p:cNvPr>
+            <p:cNvSpPr/>
+            <p:nvPr/>
+          </p:nvSpPr>
+          <p:spPr>
+            <a:xfrm>
+              <a:off x="1207364" y="4350058"/>
+              <a:ext cx="2823098" cy="1062785"/>
+            </a:xfrm>
+            <a:prstGeom prst="rect">
+              <a:avLst/>
+            </a:prstGeom>
+            <a:grpFill/>
+            <a:ln>
+              <a:solidFill>
+                <a:schemeClr val="accent1"/>
+              </a:solidFill>
+            </a:ln>
+          </p:spPr>
+          <p:style>
+            <a:lnRef idx="2">
+              <a:schemeClr val="accent1">
+                <a:shade val="50000"/>
+              </a:schemeClr>
+            </a:lnRef>
+            <a:fillRef idx="1">
+              <a:schemeClr val="accent1"/>
+            </a:fillRef>
+            <a:effectRef idx="0">
+              <a:schemeClr val="accent1"/>
+            </a:effectRef>
+            <a:fontRef idx="minor">
+              <a:schemeClr val="lt1"/>
+            </a:fontRef>
+          </p:style>
+          <p:txBody>
+            <a:bodyPr rtlCol="0" anchor="ctr"/>
+            <a:lstStyle/>
+            <a:p>
+              <a:pPr algn="ctr"/>
+              <a:endParaRPr lang="en-US"/>
+            </a:p>
+          </p:txBody>
+        </p:sp>
+        <p:sp>
+          <p:nvSpPr>
+            <p:cNvPr id="20" name="Rectangle 19">
+              <a:extLst>
+                <a:ext uri="{FF2B5EF4-FFF2-40B4-BE49-F238E27FC236}">
+                  <a16:creationId xmlns:a16="http://schemas.microsoft.com/office/drawing/2014/main" id="{E86F58CC-D11C-420A-B045-613EED7C5749}"/>
+                </a:ext>
+              </a:extLst>
+            </p:cNvPr>
+            <p:cNvSpPr/>
+            <p:nvPr/>
+          </p:nvSpPr>
+          <p:spPr>
+            <a:xfrm rot="2919803">
+              <a:off x="1726529" y="3905391"/>
+              <a:ext cx="1932852" cy="566116"/>
+            </a:xfrm>
+            <a:prstGeom prst="rect">
+              <a:avLst/>
+            </a:prstGeom>
+            <a:grpFill/>
+            <a:ln>
+              <a:solidFill>
+                <a:schemeClr val="accent1"/>
+              </a:solidFill>
+            </a:ln>
+          </p:spPr>
+          <p:style>
+            <a:lnRef idx="2">
+              <a:schemeClr val="accent1">
+                <a:shade val="50000"/>
+              </a:schemeClr>
+            </a:lnRef>
+            <a:fillRef idx="1">
+              <a:schemeClr val="accent1"/>
+            </a:fillRef>
+            <a:effectRef idx="0">
+              <a:schemeClr val="accent1"/>
+            </a:effectRef>
+            <a:fontRef idx="minor">
+              <a:schemeClr val="lt1"/>
+            </a:fontRef>
+          </p:style>
+          <p:txBody>
+            <a:bodyPr rtlCol="0" anchor="ctr"/>
+            <a:lstStyle/>
+            <a:p>
+              <a:pPr algn="ctr"/>
+              <a:endParaRPr lang="en-US"/>
+            </a:p>
+          </p:txBody>
+        </p:sp>
+      </p:grpSp>
+      <p:sp>
+        <p:nvSpPr>
+          <p:cNvPr id="4" name="Oval 3">
+            <a:extLst>
+              <a:ext uri="{FF2B5EF4-FFF2-40B4-BE49-F238E27FC236}">
+                <a16:creationId xmlns:a16="http://schemas.microsoft.com/office/drawing/2014/main" id="{BFB854C2-3EBA-48AA-A507-E9B306BE242F}"/>
+              </a:ext>
+            </a:extLst>
+          </p:cNvPr>
+          <p:cNvSpPr/>
+          <p:nvPr/>
+        </p:nvSpPr>
+        <p:spPr>
+          <a:xfrm>
+            <a:off x="3284878" y="5696934"/>
+            <a:ext cx="390617" cy="319597"/>
+          </a:xfrm>
+          <a:prstGeom prst="ellipse">
+            <a:avLst/>
+          </a:prstGeom>
+          <a:solidFill>
+            <a:schemeClr val="tx1"/>
+          </a:solidFill>
+        </p:spPr>
+        <p:style>
+          <a:lnRef idx="2">
+            <a:schemeClr val="accent1">
+              <a:shade val="50000"/>
+            </a:schemeClr>
+          </a:lnRef>
+          <a:fillRef idx="1">
+            <a:schemeClr val="accent1"/>
+          </a:fillRef>
+          <a:effectRef idx="0">
+            <a:schemeClr val="accent1"/>
+          </a:effectRef>
+          <a:fontRef idx="minor">
+            <a:schemeClr val="lt1"/>
+          </a:fontRef>
+        </p:style>
+        <p:txBody>
+          <a:bodyPr rtlCol="0" anchor="ctr"/>
+          <a:lstStyle/>
+          <a:p>
+            <a:pPr algn="ctr"/>
+            <a:endParaRPr lang="en-US"/>
+          </a:p>
+        </p:txBody>
+      </p:sp>
+      <p:sp>
+        <p:nvSpPr>
+          <p:cNvPr id="7" name="TextBox 6">
+            <a:extLst>
+              <a:ext uri="{FF2B5EF4-FFF2-40B4-BE49-F238E27FC236}">
+                <a16:creationId xmlns:a16="http://schemas.microsoft.com/office/drawing/2014/main" id="{CE56138F-772F-4DA7-B8A0-D3D763E4A3ED}"/>
+              </a:ext>
+            </a:extLst>
+          </p:cNvPr>
+          <p:cNvSpPr txBox="1"/>
+          <p:nvPr/>
+        </p:nvSpPr>
+        <p:spPr>
+          <a:xfrm>
+            <a:off x="7457243" y="2734322"/>
+            <a:ext cx="3604334" cy="923330"/>
+          </a:xfrm>
+          <a:prstGeom prst="rect">
+            <a:avLst/>
+          </a:prstGeom>
+          <a:noFill/>
+        </p:spPr>
+        <p:txBody>
+          <a:bodyPr wrap="square" rtlCol="0">
+            <a:spAutoFit/>
+          </a:bodyPr>
+          <a:lstStyle/>
+          <a:p>
+            <a:r>
+              <a:rPr lang="en-US" dirty="0"/>
+              <a:t>Get</a:t>
+            </a:r>
+          </a:p>
+          <a:p>
+            <a:r>
+              <a:rPr lang="en-US" dirty="0" err="1"/>
+              <a:t>xmin</a:t>
+            </a:r>
+            <a:r>
+              <a:rPr lang="en-US" dirty="0"/>
+              <a:t>, </a:t>
+            </a:r>
+            <a:r>
+              <a:rPr lang="en-US" dirty="0" err="1"/>
+              <a:t>xmax</a:t>
+            </a:r>
+            <a:endParaRPr lang="en-US" dirty="0"/>
+          </a:p>
+          <a:p>
+            <a:r>
+              <a:rPr lang="en-US" dirty="0" err="1"/>
+              <a:t>Yin,ymax</a:t>
+            </a:r>
+            <a:endParaRPr lang="en-US" dirty="0"/>
+          </a:p>
+        </p:txBody>
+      </p:sp>
+    </p:spTree>
+    <p:extLst>
+      <p:ext uri="{BB962C8B-B14F-4D97-AF65-F5344CB8AC3E}">
+        <p14:creationId xmlns:p14="http://schemas.microsoft.com/office/powerpoint/2010/main" val="1891127556"/>
       </p:ext>
     </p:extLst>
   </p:cSld>
@@ -5563,6 +8175,86 @@
     <p:extLst>
       <p:ext uri="{BB962C8B-B14F-4D97-AF65-F5344CB8AC3E}">
         <p14:creationId xmlns:p14="http://schemas.microsoft.com/office/powerpoint/2010/main" val="4242319206"/>
+      </p:ext>
+    </p:extLst>
+  </p:cSld>
+  <p:clrMapOvr>
+    <a:masterClrMapping/>
+  </p:clrMapOvr>
+</p:sld>
+</file>
+
+<file path=ppt/slides/slide20.xml><?xml version="1.0" encoding="utf-8"?>
+<p:sld xmlns:a="http://schemas.openxmlformats.org/drawingml/2006/main" xmlns:r="http://schemas.openxmlformats.org/officeDocument/2006/relationships" xmlns:p="http://schemas.openxmlformats.org/presentationml/2006/main">
+  <p:cSld>
+    <p:spTree>
+      <p:nvGrpSpPr>
+        <p:cNvPr id="1" name=""/>
+        <p:cNvGrpSpPr/>
+        <p:nvPr/>
+      </p:nvGrpSpPr>
+      <p:grpSpPr>
+        <a:xfrm>
+          <a:off x="0" y="0"/>
+          <a:ext cx="0" cy="0"/>
+          <a:chOff x="0" y="0"/>
+          <a:chExt cx="0" cy="0"/>
+        </a:xfrm>
+      </p:grpSpPr>
+      <p:sp>
+        <p:nvSpPr>
+          <p:cNvPr id="2" name="Title 1">
+            <a:extLst>
+              <a:ext uri="{FF2B5EF4-FFF2-40B4-BE49-F238E27FC236}">
+                <a16:creationId xmlns:a16="http://schemas.microsoft.com/office/drawing/2014/main" id="{23CE64A4-2F53-4216-9156-486DB696E979}"/>
+              </a:ext>
+            </a:extLst>
+          </p:cNvPr>
+          <p:cNvSpPr>
+            <a:spLocks noGrp="1"/>
+          </p:cNvSpPr>
+          <p:nvPr>
+            <p:ph type="title"/>
+          </p:nvPr>
+        </p:nvSpPr>
+        <p:spPr/>
+        <p:txBody>
+          <a:bodyPr/>
+          <a:lstStyle/>
+          <a:p>
+            <a:endParaRPr lang="en-US"/>
+          </a:p>
+        </p:txBody>
+      </p:sp>
+      <p:sp>
+        <p:nvSpPr>
+          <p:cNvPr id="3" name="Content Placeholder 2">
+            <a:extLst>
+              <a:ext uri="{FF2B5EF4-FFF2-40B4-BE49-F238E27FC236}">
+                <a16:creationId xmlns:a16="http://schemas.microsoft.com/office/drawing/2014/main" id="{1CBB42E1-138C-4CDF-8B82-DB0034D78385}"/>
+              </a:ext>
+            </a:extLst>
+          </p:cNvPr>
+          <p:cNvSpPr>
+            <a:spLocks noGrp="1"/>
+          </p:cNvSpPr>
+          <p:nvPr>
+            <p:ph idx="1"/>
+          </p:nvPr>
+        </p:nvSpPr>
+        <p:spPr/>
+        <p:txBody>
+          <a:bodyPr/>
+          <a:lstStyle/>
+          <a:p>
+            <a:endParaRPr lang="en-US"/>
+          </a:p>
+        </p:txBody>
+      </p:sp>
+    </p:spTree>
+    <p:extLst>
+      <p:ext uri="{BB962C8B-B14F-4D97-AF65-F5344CB8AC3E}">
+        <p14:creationId xmlns:p14="http://schemas.microsoft.com/office/powerpoint/2010/main" val="2610576331"/>
       </p:ext>
     </p:extLst>
   </p:cSld>
@@ -7182,6 +9874,91 @@
           </a:p>
         </p:txBody>
       </p:sp>
+      <p:cxnSp>
+        <p:nvCxnSpPr>
+          <p:cNvPr id="8" name="Straight Connector 7">
+            <a:extLst>
+              <a:ext uri="{FF2B5EF4-FFF2-40B4-BE49-F238E27FC236}">
+                <a16:creationId xmlns:a16="http://schemas.microsoft.com/office/drawing/2014/main" id="{D5A2A20C-ADAF-45A4-AA8F-0C4D8050A656}"/>
+              </a:ext>
+            </a:extLst>
+          </p:cNvPr>
+          <p:cNvCxnSpPr>
+            <a:cxnSpLocks/>
+          </p:cNvCxnSpPr>
+          <p:nvPr/>
+        </p:nvCxnSpPr>
+        <p:spPr>
+          <a:xfrm flipV="1">
+            <a:off x="2036077" y="4089861"/>
+            <a:ext cx="1668795" cy="1"/>
+          </a:xfrm>
+          <a:prstGeom prst="line">
+            <a:avLst/>
+          </a:prstGeom>
+          <a:ln w="57150"/>
+        </p:spPr>
+        <p:style>
+          <a:lnRef idx="1">
+            <a:schemeClr val="accent1"/>
+          </a:lnRef>
+          <a:fillRef idx="0">
+            <a:schemeClr val="accent1"/>
+          </a:fillRef>
+          <a:effectRef idx="0">
+            <a:schemeClr val="accent1"/>
+          </a:effectRef>
+          <a:fontRef idx="minor">
+            <a:schemeClr val="tx1"/>
+          </a:fontRef>
+        </p:style>
+      </p:cxnSp>
+      <p:sp>
+        <p:nvSpPr>
+          <p:cNvPr id="11" name="Star: 5 Points 10">
+            <a:extLst>
+              <a:ext uri="{FF2B5EF4-FFF2-40B4-BE49-F238E27FC236}">
+                <a16:creationId xmlns:a16="http://schemas.microsoft.com/office/drawing/2014/main" id="{D19D3E9A-1BF5-4D63-9235-95201E7C828E}"/>
+              </a:ext>
+            </a:extLst>
+          </p:cNvPr>
+          <p:cNvSpPr/>
+          <p:nvPr/>
+        </p:nvSpPr>
+        <p:spPr>
+          <a:xfrm>
+            <a:off x="2786137" y="4011615"/>
+            <a:ext cx="168676" cy="177551"/>
+          </a:xfrm>
+          <a:prstGeom prst="star5">
+            <a:avLst/>
+          </a:prstGeom>
+        </p:spPr>
+        <p:style>
+          <a:lnRef idx="2">
+            <a:schemeClr val="accent1">
+              <a:shade val="50000"/>
+            </a:schemeClr>
+          </a:lnRef>
+          <a:fillRef idx="1">
+            <a:schemeClr val="accent1"/>
+          </a:fillRef>
+          <a:effectRef idx="0">
+            <a:schemeClr val="accent1"/>
+          </a:effectRef>
+          <a:fontRef idx="minor">
+            <a:schemeClr val="lt1"/>
+          </a:fontRef>
+        </p:style>
+        <p:txBody>
+          <a:bodyPr rtlCol="0" anchor="ctr"/>
+          <a:lstStyle/>
+          <a:p>
+            <a:pPr algn="ctr"/>
+            <a:endParaRPr lang="en-US"/>
+          </a:p>
+        </p:txBody>
+      </p:sp>
     </p:spTree>
     <p:extLst>
       <p:ext uri="{BB962C8B-B14F-4D97-AF65-F5344CB8AC3E}">

--- a/misc/Segmentation.pptx
+++ b/misc/Segmentation.pptx
@@ -7416,7 +7416,7 @@
         </p:nvCxnSpPr>
         <p:spPr>
           <a:xfrm flipV="1">
-            <a:off x="3143229" y="4881450"/>
+            <a:off x="3207454" y="4868029"/>
             <a:ext cx="1279693" cy="1066589"/>
           </a:xfrm>
           <a:prstGeom prst="line">
@@ -7477,6 +7477,114 @@
               <a:rPr lang="en-US" dirty="0"/>
               <a:t>Y2 min, max</a:t>
             </a:r>
+          </a:p>
+        </p:txBody>
+      </p:sp>
+      <p:sp>
+        <p:nvSpPr>
+          <p:cNvPr id="3" name="TextBox 2">
+            <a:extLst>
+              <a:ext uri="{FF2B5EF4-FFF2-40B4-BE49-F238E27FC236}">
+                <a16:creationId xmlns:a16="http://schemas.microsoft.com/office/drawing/2014/main" id="{CEEBE733-0BD8-4238-981D-645EA4DEDA44}"/>
+              </a:ext>
+            </a:extLst>
+          </p:cNvPr>
+          <p:cNvSpPr txBox="1"/>
+          <p:nvPr/>
+        </p:nvSpPr>
+        <p:spPr>
+          <a:xfrm>
+            <a:off x="317900" y="3841986"/>
+            <a:ext cx="483112" cy="369332"/>
+          </a:xfrm>
+          <a:prstGeom prst="rect">
+            <a:avLst/>
+          </a:prstGeom>
+          <a:noFill/>
+        </p:spPr>
+        <p:txBody>
+          <a:bodyPr wrap="square" rtlCol="0">
+            <a:spAutoFit/>
+          </a:bodyPr>
+          <a:lstStyle/>
+          <a:p>
+            <a:r>
+              <a:rPr lang="en-US" dirty="0"/>
+              <a:t>L</a:t>
+            </a:r>
+          </a:p>
+        </p:txBody>
+      </p:sp>
+      <p:cxnSp>
+        <p:nvCxnSpPr>
+          <p:cNvPr id="34" name="Straight Connector 33">
+            <a:extLst>
+              <a:ext uri="{FF2B5EF4-FFF2-40B4-BE49-F238E27FC236}">
+                <a16:creationId xmlns:a16="http://schemas.microsoft.com/office/drawing/2014/main" id="{C1F8D39B-2EA6-4B0E-97C2-1D95F6B46936}"/>
+              </a:ext>
+            </a:extLst>
+          </p:cNvPr>
+          <p:cNvCxnSpPr/>
+          <p:nvPr/>
+        </p:nvCxnSpPr>
+        <p:spPr>
+          <a:xfrm flipV="1">
+            <a:off x="537121" y="1999975"/>
+            <a:ext cx="1279693" cy="1066589"/>
+          </a:xfrm>
+          <a:prstGeom prst="line">
+            <a:avLst/>
+          </a:prstGeom>
+          <a:ln w="57150"/>
+        </p:spPr>
+        <p:style>
+          <a:lnRef idx="1">
+            <a:schemeClr val="accent1"/>
+          </a:lnRef>
+          <a:fillRef idx="0">
+            <a:schemeClr val="accent1"/>
+          </a:fillRef>
+          <a:effectRef idx="0">
+            <a:schemeClr val="accent1"/>
+          </a:effectRef>
+          <a:fontRef idx="minor">
+            <a:schemeClr val="tx1"/>
+          </a:fontRef>
+        </p:style>
+      </p:cxnSp>
+      <p:sp>
+        <p:nvSpPr>
+          <p:cNvPr id="8" name="TextBox 7">
+            <a:extLst>
+              <a:ext uri="{FF2B5EF4-FFF2-40B4-BE49-F238E27FC236}">
+                <a16:creationId xmlns:a16="http://schemas.microsoft.com/office/drawing/2014/main" id="{CB51A9FC-9FF4-46C3-85A6-C1A0F52EA819}"/>
+              </a:ext>
+            </a:extLst>
+          </p:cNvPr>
+          <p:cNvSpPr txBox="1"/>
+          <p:nvPr/>
+        </p:nvSpPr>
+        <p:spPr>
+          <a:xfrm>
+            <a:off x="639963" y="1999975"/>
+            <a:ext cx="562992" cy="369332"/>
+          </a:xfrm>
+          <a:prstGeom prst="rect">
+            <a:avLst/>
+          </a:prstGeom>
+          <a:noFill/>
+        </p:spPr>
+        <p:txBody>
+          <a:bodyPr wrap="square" rtlCol="0">
+            <a:spAutoFit/>
+          </a:bodyPr>
+          <a:lstStyle/>
+          <a:p>
+            <a:r>
+              <a:rPr lang="en-US" dirty="0" err="1"/>
+              <a:t>orig</a:t>
+            </a:r>
+            <a:endParaRPr lang="en-US" dirty="0"/>
           </a:p>
         </p:txBody>
       </p:sp>

--- a/misc/Segmentation.pptx
+++ b/misc/Segmentation.pptx
@@ -20,11 +20,14 @@
     <p:sldId id="267" r:id="rId14"/>
     <p:sldId id="269" r:id="rId15"/>
     <p:sldId id="270" r:id="rId16"/>
-    <p:sldId id="271" r:id="rId17"/>
-    <p:sldId id="272" r:id="rId18"/>
-    <p:sldId id="273" r:id="rId19"/>
-    <p:sldId id="275" r:id="rId20"/>
-    <p:sldId id="274" r:id="rId21"/>
+    <p:sldId id="276" r:id="rId17"/>
+    <p:sldId id="271" r:id="rId18"/>
+    <p:sldId id="272" r:id="rId19"/>
+    <p:sldId id="273" r:id="rId20"/>
+    <p:sldId id="275" r:id="rId21"/>
+    <p:sldId id="277" r:id="rId22"/>
+    <p:sldId id="278" r:id="rId23"/>
+    <p:sldId id="274" r:id="rId24"/>
   </p:sldIdLst>
   <p:sldSz cx="12192000" cy="6858000"/>
   <p:notesSz cx="6858000" cy="9144000"/>
@@ -278,7 +281,7 @@
           <a:p>
             <a:fld id="{5ECBD1B4-F142-490E-A4AB-4FD38A88171A}" type="datetimeFigureOut">
               <a:rPr lang="en-US" smtClean="0"/>
-              <a:t>8/14/2021</a:t>
+              <a:t>8/18/2021</a:t>
             </a:fld>
             <a:endParaRPr lang="en-US"/>
           </a:p>
@@ -476,7 +479,7 @@
           <a:p>
             <a:fld id="{5ECBD1B4-F142-490E-A4AB-4FD38A88171A}" type="datetimeFigureOut">
               <a:rPr lang="en-US" smtClean="0"/>
-              <a:t>8/14/2021</a:t>
+              <a:t>8/18/2021</a:t>
             </a:fld>
             <a:endParaRPr lang="en-US"/>
           </a:p>
@@ -684,7 +687,7 @@
           <a:p>
             <a:fld id="{5ECBD1B4-F142-490E-A4AB-4FD38A88171A}" type="datetimeFigureOut">
               <a:rPr lang="en-US" smtClean="0"/>
-              <a:t>8/14/2021</a:t>
+              <a:t>8/18/2021</a:t>
             </a:fld>
             <a:endParaRPr lang="en-US"/>
           </a:p>
@@ -882,7 +885,7 @@
           <a:p>
             <a:fld id="{5ECBD1B4-F142-490E-A4AB-4FD38A88171A}" type="datetimeFigureOut">
               <a:rPr lang="en-US" smtClean="0"/>
-              <a:t>8/14/2021</a:t>
+              <a:t>8/18/2021</a:t>
             </a:fld>
             <a:endParaRPr lang="en-US"/>
           </a:p>
@@ -1157,7 +1160,7 @@
           <a:p>
             <a:fld id="{5ECBD1B4-F142-490E-A4AB-4FD38A88171A}" type="datetimeFigureOut">
               <a:rPr lang="en-US" smtClean="0"/>
-              <a:t>8/14/2021</a:t>
+              <a:t>8/18/2021</a:t>
             </a:fld>
             <a:endParaRPr lang="en-US"/>
           </a:p>
@@ -1422,7 +1425,7 @@
           <a:p>
             <a:fld id="{5ECBD1B4-F142-490E-A4AB-4FD38A88171A}" type="datetimeFigureOut">
               <a:rPr lang="en-US" smtClean="0"/>
-              <a:t>8/14/2021</a:t>
+              <a:t>8/18/2021</a:t>
             </a:fld>
             <a:endParaRPr lang="en-US"/>
           </a:p>
@@ -1834,7 +1837,7 @@
           <a:p>
             <a:fld id="{5ECBD1B4-F142-490E-A4AB-4FD38A88171A}" type="datetimeFigureOut">
               <a:rPr lang="en-US" smtClean="0"/>
-              <a:t>8/14/2021</a:t>
+              <a:t>8/18/2021</a:t>
             </a:fld>
             <a:endParaRPr lang="en-US"/>
           </a:p>
@@ -1975,7 +1978,7 @@
           <a:p>
             <a:fld id="{5ECBD1B4-F142-490E-A4AB-4FD38A88171A}" type="datetimeFigureOut">
               <a:rPr lang="en-US" smtClean="0"/>
-              <a:t>8/14/2021</a:t>
+              <a:t>8/18/2021</a:t>
             </a:fld>
             <a:endParaRPr lang="en-US"/>
           </a:p>
@@ -2088,7 +2091,7 @@
           <a:p>
             <a:fld id="{5ECBD1B4-F142-490E-A4AB-4FD38A88171A}" type="datetimeFigureOut">
               <a:rPr lang="en-US" smtClean="0"/>
-              <a:t>8/14/2021</a:t>
+              <a:t>8/18/2021</a:t>
             </a:fld>
             <a:endParaRPr lang="en-US"/>
           </a:p>
@@ -2399,7 +2402,7 @@
           <a:p>
             <a:fld id="{5ECBD1B4-F142-490E-A4AB-4FD38A88171A}" type="datetimeFigureOut">
               <a:rPr lang="en-US" smtClean="0"/>
-              <a:t>8/14/2021</a:t>
+              <a:t>8/18/2021</a:t>
             </a:fld>
             <a:endParaRPr lang="en-US"/>
           </a:p>
@@ -2687,7 +2690,7 @@
           <a:p>
             <a:fld id="{5ECBD1B4-F142-490E-A4AB-4FD38A88171A}" type="datetimeFigureOut">
               <a:rPr lang="en-US" smtClean="0"/>
-              <a:t>8/14/2021</a:t>
+              <a:t>8/18/2021</a:t>
             </a:fld>
             <a:endParaRPr lang="en-US"/>
           </a:p>
@@ -2928,7 +2931,7 @@
           <a:p>
             <a:fld id="{5ECBD1B4-F142-490E-A4AB-4FD38A88171A}" type="datetimeFigureOut">
               <a:rPr lang="en-US" smtClean="0"/>
-              <a:t>8/14/2021</a:t>
+              <a:t>8/18/2021</a:t>
             </a:fld>
             <a:endParaRPr lang="en-US"/>
           </a:p>
@@ -5477,6 +5480,14 @@
 <file path=ppt/slides/slide16.xml><?xml version="1.0" encoding="utf-8"?>
 <p:sld xmlns:a="http://schemas.openxmlformats.org/drawingml/2006/main" xmlns:r="http://schemas.openxmlformats.org/officeDocument/2006/relationships" xmlns:p="http://schemas.openxmlformats.org/presentationml/2006/main">
   <p:cSld>
+    <p:bg>
+      <p:bgPr>
+        <a:solidFill>
+          <a:srgbClr val="FF0000"/>
+        </a:solidFill>
+        <a:effectLst/>
+      </p:bgPr>
+    </p:bg>
     <p:spTree>
       <p:nvGrpSpPr>
         <p:cNvPr id="1" name=""/>
@@ -5496,7 +5507,7 @@
           <p:cNvPr id="2" name="Title 1">
             <a:extLst>
               <a:ext uri="{FF2B5EF4-FFF2-40B4-BE49-F238E27FC236}">
-                <a16:creationId xmlns:a16="http://schemas.microsoft.com/office/drawing/2014/main" id="{5BC090C0-44FD-411A-BE7E-92FFC7576652}"/>
+                <a16:creationId xmlns:a16="http://schemas.microsoft.com/office/drawing/2014/main" id="{D0229BAF-55A0-4CD7-AC0B-EF9A78C684C1}"/>
               </a:ext>
             </a:extLst>
           </p:cNvPr>
@@ -5507,6 +5518,71 @@
             <p:ph type="title"/>
           </p:nvPr>
         </p:nvSpPr>
+        <p:spPr>
+          <a:xfrm>
+            <a:off x="838199" y="365125"/>
+            <a:ext cx="11235431" cy="5804856"/>
+          </a:xfrm>
+        </p:spPr>
+        <p:txBody>
+          <a:bodyPr>
+            <a:normAutofit/>
+          </a:bodyPr>
+          <a:lstStyle/>
+          <a:p>
+            <a:r>
+              <a:rPr lang="en-US" sz="13800" b="1" dirty="0"/>
+              <a:t>NEW 11.8.2021</a:t>
+            </a:r>
+          </a:p>
+        </p:txBody>
+      </p:sp>
+    </p:spTree>
+    <p:extLst>
+      <p:ext uri="{BB962C8B-B14F-4D97-AF65-F5344CB8AC3E}">
+        <p14:creationId xmlns:p14="http://schemas.microsoft.com/office/powerpoint/2010/main" val="38964486"/>
+      </p:ext>
+    </p:extLst>
+  </p:cSld>
+  <p:clrMapOvr>
+    <a:masterClrMapping/>
+  </p:clrMapOvr>
+</p:sld>
+</file>
+
+<file path=ppt/slides/slide17.xml><?xml version="1.0" encoding="utf-8"?>
+<p:sld xmlns:a="http://schemas.openxmlformats.org/drawingml/2006/main" xmlns:r="http://schemas.openxmlformats.org/officeDocument/2006/relationships" xmlns:p="http://schemas.openxmlformats.org/presentationml/2006/main">
+  <p:cSld>
+    <p:spTree>
+      <p:nvGrpSpPr>
+        <p:cNvPr id="1" name=""/>
+        <p:cNvGrpSpPr/>
+        <p:nvPr/>
+      </p:nvGrpSpPr>
+      <p:grpSpPr>
+        <a:xfrm>
+          <a:off x="0" y="0"/>
+          <a:ext cx="0" cy="0"/>
+          <a:chOff x="0" y="0"/>
+          <a:chExt cx="0" cy="0"/>
+        </a:xfrm>
+      </p:grpSpPr>
+      <p:sp>
+        <p:nvSpPr>
+          <p:cNvPr id="2" name="Title 1">
+            <a:extLst>
+              <a:ext uri="{FF2B5EF4-FFF2-40B4-BE49-F238E27FC236}">
+                <a16:creationId xmlns:a16="http://schemas.microsoft.com/office/drawing/2014/main" id="{5BC090C0-44FD-411A-BE7E-92FFC7576652}"/>
+              </a:ext>
+            </a:extLst>
+          </p:cNvPr>
+          <p:cNvSpPr>
+            <a:spLocks noGrp="1"/>
+          </p:cNvSpPr>
+          <p:nvPr>
+            <p:ph type="title"/>
+          </p:nvPr>
+        </p:nvSpPr>
         <p:spPr/>
         <p:txBody>
           <a:bodyPr/>
@@ -5542,7 +5618,7 @@
           <a:p>
             <a:r>
               <a:rPr lang="en-US" dirty="0"/>
-              <a:t>BIG FLOWCHART NEEDED </a:t>
+              <a:t>BIG FLOWCHART NEEDED (TO DO) </a:t>
             </a:r>
           </a:p>
         </p:txBody>
@@ -5560,7 +5636,7 @@
 </p:sld>
 </file>
 
-<file path=ppt/slides/slide17.xml><?xml version="1.0" encoding="utf-8"?>
+<file path=ppt/slides/slide18.xml><?xml version="1.0" encoding="utf-8"?>
 <p:sld xmlns:a="http://schemas.openxmlformats.org/drawingml/2006/main" xmlns:r="http://schemas.openxmlformats.org/officeDocument/2006/relationships" xmlns:p="http://schemas.openxmlformats.org/presentationml/2006/main">
   <p:cSld>
     <p:spTree>
@@ -6159,7 +6235,7 @@
 </p:sld>
 </file>
 
-<file path=ppt/slides/slide18.xml><?xml version="1.0" encoding="utf-8"?>
+<file path=ppt/slides/slide19.xml><?xml version="1.0" encoding="utf-8"?>
 <p:sld xmlns:a="http://schemas.openxmlformats.org/drawingml/2006/main" xmlns:r="http://schemas.openxmlformats.org/officeDocument/2006/relationships" xmlns:p="http://schemas.openxmlformats.org/presentationml/2006/main">
   <p:cSld>
     <p:spTree>
@@ -7601,7 +7677,171 @@
 </p:sld>
 </file>
 
-<file path=ppt/slides/slide19.xml><?xml version="1.0" encoding="utf-8"?>
+<file path=ppt/slides/slide2.xml><?xml version="1.0" encoding="utf-8"?>
+<p:sld xmlns:a="http://schemas.openxmlformats.org/drawingml/2006/main" xmlns:r="http://schemas.openxmlformats.org/officeDocument/2006/relationships" xmlns:p="http://schemas.openxmlformats.org/presentationml/2006/main">
+  <p:cSld>
+    <p:spTree>
+      <p:nvGrpSpPr>
+        <p:cNvPr id="1" name=""/>
+        <p:cNvGrpSpPr/>
+        <p:nvPr/>
+      </p:nvGrpSpPr>
+      <p:grpSpPr>
+        <a:xfrm>
+          <a:off x="0" y="0"/>
+          <a:ext cx="0" cy="0"/>
+          <a:chOff x="0" y="0"/>
+          <a:chExt cx="0" cy="0"/>
+        </a:xfrm>
+      </p:grpSpPr>
+      <p:sp>
+        <p:nvSpPr>
+          <p:cNvPr id="2" name="Title 1">
+            <a:extLst>
+              <a:ext uri="{FF2B5EF4-FFF2-40B4-BE49-F238E27FC236}">
+                <a16:creationId xmlns:a16="http://schemas.microsoft.com/office/drawing/2014/main" id="{3D88F8DB-958F-495B-B72A-EBA554A1F4FD}"/>
+              </a:ext>
+            </a:extLst>
+          </p:cNvPr>
+          <p:cNvSpPr>
+            <a:spLocks noGrp="1"/>
+          </p:cNvSpPr>
+          <p:nvPr>
+            <p:ph type="title"/>
+          </p:nvPr>
+        </p:nvSpPr>
+        <p:spPr/>
+        <p:txBody>
+          <a:bodyPr/>
+          <a:lstStyle/>
+          <a:p>
+            <a:r>
+              <a:rPr lang="en-US" dirty="0"/>
+              <a:t>.STL to .</a:t>
+            </a:r>
+            <a:r>
+              <a:rPr lang="en-US" dirty="0" err="1"/>
+              <a:t>binvox</a:t>
+            </a:r>
+            <a:endParaRPr lang="en-US" dirty="0"/>
+          </a:p>
+        </p:txBody>
+      </p:sp>
+      <p:sp>
+        <p:nvSpPr>
+          <p:cNvPr id="3" name="Content Placeholder 2">
+            <a:extLst>
+              <a:ext uri="{FF2B5EF4-FFF2-40B4-BE49-F238E27FC236}">
+                <a16:creationId xmlns:a16="http://schemas.microsoft.com/office/drawing/2014/main" id="{47DCAFA1-6BAA-414C-9877-3A77365D7E4C}"/>
+              </a:ext>
+            </a:extLst>
+          </p:cNvPr>
+          <p:cNvSpPr>
+            <a:spLocks noGrp="1"/>
+          </p:cNvSpPr>
+          <p:nvPr>
+            <p:ph idx="1"/>
+          </p:nvPr>
+        </p:nvSpPr>
+        <p:spPr/>
+        <p:txBody>
+          <a:bodyPr>
+            <a:normAutofit/>
+          </a:bodyPr>
+          <a:lstStyle/>
+          <a:p>
+            <a:r>
+              <a:rPr lang="en-US" dirty="0"/>
+              <a:t>Max .</a:t>
+            </a:r>
+            <a:r>
+              <a:rPr lang="en-US" dirty="0" err="1"/>
+              <a:t>binvox</a:t>
+            </a:r>
+            <a:r>
+              <a:rPr lang="en-US" dirty="0"/>
+              <a:t> dim is 512x512x512 = squeezing everything into 512 voxels</a:t>
+            </a:r>
+          </a:p>
+          <a:p>
+            <a:r>
+              <a:rPr lang="en-US" dirty="0"/>
+              <a:t>Loss of resolution if a feature is less than 1/512 of max length</a:t>
+            </a:r>
+          </a:p>
+          <a:p>
+            <a:pPr lvl="1"/>
+            <a:r>
+              <a:rPr lang="en-US" dirty="0"/>
+              <a:t>Otherwise increase of resolution	</a:t>
+            </a:r>
+          </a:p>
+          <a:p>
+            <a:endParaRPr lang="en-US" dirty="0"/>
+          </a:p>
+          <a:p>
+            <a:r>
+              <a:rPr lang="en-US" dirty="0"/>
+              <a:t>How to increase .</a:t>
+            </a:r>
+            <a:r>
+              <a:rPr lang="en-US" dirty="0" err="1"/>
+              <a:t>binvox</a:t>
+            </a:r>
+            <a:r>
+              <a:rPr lang="en-US" dirty="0"/>
+              <a:t> dim?	</a:t>
+            </a:r>
+          </a:p>
+          <a:p>
+            <a:pPr lvl="1"/>
+            <a:r>
+              <a:rPr lang="en-US" dirty="0"/>
+              <a:t>Crack binvox.exe / decompile – not a good idea / 99 $ (max 4200 voxels)</a:t>
+            </a:r>
+          </a:p>
+          <a:p>
+            <a:pPr lvl="1"/>
+            <a:r>
+              <a:rPr lang="en-US" dirty="0"/>
+              <a:t>Segment STL into parts – then 512 </a:t>
+            </a:r>
+            <a:r>
+              <a:rPr lang="en-US" dirty="0" err="1"/>
+              <a:t>binvox</a:t>
+            </a:r>
+            <a:endParaRPr lang="en-US" dirty="0"/>
+          </a:p>
+          <a:p>
+            <a:pPr lvl="2"/>
+            <a:r>
+              <a:rPr lang="en-US" dirty="0"/>
+              <a:t>Deleting vertices ?</a:t>
+            </a:r>
+          </a:p>
+          <a:p>
+            <a:pPr lvl="2"/>
+            <a:r>
+              <a:rPr lang="en-US" dirty="0"/>
+              <a:t>Complicated , idk</a:t>
+            </a:r>
+          </a:p>
+        </p:txBody>
+      </p:sp>
+    </p:spTree>
+    <p:extLst>
+      <p:ext uri="{BB962C8B-B14F-4D97-AF65-F5344CB8AC3E}">
+        <p14:creationId xmlns:p14="http://schemas.microsoft.com/office/powerpoint/2010/main" val="4242319206"/>
+      </p:ext>
+    </p:extLst>
+  </p:cSld>
+  <p:clrMapOvr>
+    <a:masterClrMapping/>
+  </p:clrMapOvr>
+</p:sld>
+</file>
+
+<file path=ppt/slides/slide20.xml><?xml version="1.0" encoding="utf-8"?>
 <p:sld xmlns:a="http://schemas.openxmlformats.org/drawingml/2006/main" xmlns:r="http://schemas.openxmlformats.org/officeDocument/2006/relationships" xmlns:p="http://schemas.openxmlformats.org/presentationml/2006/main">
   <p:cSld>
     <p:spTree>
@@ -8115,6 +8355,41 @@
           </a:p>
         </p:txBody>
       </p:sp>
+      <p:sp>
+        <p:nvSpPr>
+          <p:cNvPr id="3" name="TextBox 2">
+            <a:extLst>
+              <a:ext uri="{FF2B5EF4-FFF2-40B4-BE49-F238E27FC236}">
+                <a16:creationId xmlns:a16="http://schemas.microsoft.com/office/drawing/2014/main" id="{82FCE8C4-646E-4269-B2BD-D7E1DA6CD1D7}"/>
+              </a:ext>
+            </a:extLst>
+          </p:cNvPr>
+          <p:cNvSpPr txBox="1"/>
+          <p:nvPr/>
+        </p:nvSpPr>
+        <p:spPr>
+          <a:xfrm>
+            <a:off x="8016536" y="4705165"/>
+            <a:ext cx="2911876" cy="769441"/>
+          </a:xfrm>
+          <a:prstGeom prst="rect">
+            <a:avLst/>
+          </a:prstGeom>
+          <a:noFill/>
+        </p:spPr>
+        <p:txBody>
+          <a:bodyPr wrap="square" rtlCol="0">
+            <a:spAutoFit/>
+          </a:bodyPr>
+          <a:lstStyle/>
+          <a:p>
+            <a:r>
+              <a:rPr lang="en-US" sz="4400" dirty="0"/>
+              <a:t>IS POSSIBLE</a:t>
+            </a:r>
+          </a:p>
+        </p:txBody>
+      </p:sp>
     </p:spTree>
     <p:extLst>
       <p:ext uri="{BB962C8B-B14F-4D97-AF65-F5344CB8AC3E}">
@@ -8128,7 +8403,7 @@
 </p:sld>
 </file>
 
-<file path=ppt/slides/slide2.xml><?xml version="1.0" encoding="utf-8"?>
+<file path=ppt/slides/slide21.xml><?xml version="1.0" encoding="utf-8"?>
 <p:sld xmlns:a="http://schemas.openxmlformats.org/drawingml/2006/main" xmlns:r="http://schemas.openxmlformats.org/officeDocument/2006/relationships" xmlns:p="http://schemas.openxmlformats.org/presentationml/2006/main">
   <p:cSld>
     <p:spTree>
@@ -8150,7 +8425,7 @@
           <p:cNvPr id="2" name="Title 1">
             <a:extLst>
               <a:ext uri="{FF2B5EF4-FFF2-40B4-BE49-F238E27FC236}">
-                <a16:creationId xmlns:a16="http://schemas.microsoft.com/office/drawing/2014/main" id="{3D88F8DB-958F-495B-B72A-EBA554A1F4FD}"/>
+                <a16:creationId xmlns:a16="http://schemas.microsoft.com/office/drawing/2014/main" id="{4BACDBB2-9E77-4169-9A29-8C77E4AF66EB}"/>
               </a:ext>
             </a:extLst>
           </p:cNvPr>
@@ -8168,11 +8443,13 @@
           <a:p>
             <a:r>
               <a:rPr lang="en-US" dirty="0"/>
-              <a:t>.STL to .</a:t>
-            </a:r>
-            <a:r>
-              <a:rPr lang="en-US" dirty="0" err="1"/>
-              <a:t>binvox</a:t>
+              <a:t>Small achievements </a:t>
+            </a:r>
+            <a:r>
+              <a:rPr lang="en-US" dirty="0">
+                <a:sym typeface="Wingdings" panose="05000000000000000000" pitchFamily="2" charset="2"/>
+              </a:rPr>
+              <a:t></a:t>
             </a:r>
             <a:endParaRPr lang="en-US" dirty="0"/>
           </a:p>
@@ -8183,7 +8460,7 @@
           <p:cNvPr id="3" name="Content Placeholder 2">
             <a:extLst>
               <a:ext uri="{FF2B5EF4-FFF2-40B4-BE49-F238E27FC236}">
-                <a16:creationId xmlns:a16="http://schemas.microsoft.com/office/drawing/2014/main" id="{47DCAFA1-6BAA-414C-9877-3A77365D7E4C}"/>
+                <a16:creationId xmlns:a16="http://schemas.microsoft.com/office/drawing/2014/main" id="{E7FB5825-17D2-4385-863B-25A875798D0E}"/>
               </a:ext>
             </a:extLst>
           </p:cNvPr>
@@ -8196,85 +8473,18 @@
         </p:nvSpPr>
         <p:spPr/>
         <p:txBody>
-          <a:bodyPr>
-            <a:normAutofit/>
-          </a:bodyPr>
+          <a:bodyPr/>
           <a:lstStyle/>
           <a:p>
             <a:r>
               <a:rPr lang="en-US" dirty="0"/>
-              <a:t>Max .</a:t>
-            </a:r>
-            <a:r>
-              <a:rPr lang="en-US" dirty="0" err="1"/>
-              <a:t>binvox</a:t>
-            </a:r>
+              <a:t>Solved Deprecated version problem</a:t>
+            </a:r>
+          </a:p>
+          <a:p>
             <a:r>
               <a:rPr lang="en-US" dirty="0"/>
-              <a:t> dim is 512x512x512 = squeezing everything into 512 voxels</a:t>
-            </a:r>
-          </a:p>
-          <a:p>
-            <a:r>
-              <a:rPr lang="en-US" dirty="0"/>
-              <a:t>Loss of resolution if a feature is less than 1/512 of max length</a:t>
-            </a:r>
-          </a:p>
-          <a:p>
-            <a:pPr lvl="1"/>
-            <a:r>
-              <a:rPr lang="en-US" dirty="0"/>
-              <a:t>Otherwise increase of resolution	</a:t>
-            </a:r>
-          </a:p>
-          <a:p>
-            <a:endParaRPr lang="en-US" dirty="0"/>
-          </a:p>
-          <a:p>
-            <a:r>
-              <a:rPr lang="en-US" dirty="0"/>
-              <a:t>How to increase .</a:t>
-            </a:r>
-            <a:r>
-              <a:rPr lang="en-US" dirty="0" err="1"/>
-              <a:t>binvox</a:t>
-            </a:r>
-            <a:r>
-              <a:rPr lang="en-US" dirty="0"/>
-              <a:t> dim?	</a:t>
-            </a:r>
-          </a:p>
-          <a:p>
-            <a:pPr lvl="1"/>
-            <a:r>
-              <a:rPr lang="en-US" dirty="0"/>
-              <a:t>Crack binvox.exe / decompile – not a good idea / 99 $ (max 4200 voxels)</a:t>
-            </a:r>
-          </a:p>
-          <a:p>
-            <a:pPr lvl="1"/>
-            <a:r>
-              <a:rPr lang="en-US" dirty="0"/>
-              <a:t>Segment STL into parts – then 512 </a:t>
-            </a:r>
-            <a:r>
-              <a:rPr lang="en-US" dirty="0" err="1"/>
-              <a:t>binvox</a:t>
-            </a:r>
-            <a:endParaRPr lang="en-US" dirty="0"/>
-          </a:p>
-          <a:p>
-            <a:pPr lvl="2"/>
-            <a:r>
-              <a:rPr lang="en-US" dirty="0"/>
-              <a:t>Deleting vertices ?</a:t>
-            </a:r>
-          </a:p>
-          <a:p>
-            <a:pPr lvl="2"/>
-            <a:r>
-              <a:rPr lang="en-US" dirty="0"/>
-              <a:t>Complicated , idk</a:t>
+              <a:t>Updated all libs to newest version</a:t>
             </a:r>
           </a:p>
         </p:txBody>
@@ -8282,7 +8492,7 @@
     </p:spTree>
     <p:extLst>
       <p:ext uri="{BB962C8B-B14F-4D97-AF65-F5344CB8AC3E}">
-        <p14:creationId xmlns:p14="http://schemas.microsoft.com/office/powerpoint/2010/main" val="4242319206"/>
+        <p14:creationId xmlns:p14="http://schemas.microsoft.com/office/powerpoint/2010/main" val="2950025197"/>
       </p:ext>
     </p:extLst>
   </p:cSld>
@@ -8292,7 +8502,7 @@
 </p:sld>
 </file>
 
-<file path=ppt/slides/slide20.xml><?xml version="1.0" encoding="utf-8"?>
+<file path=ppt/slides/slide22.xml><?xml version="1.0" encoding="utf-8"?>
 <p:sld xmlns:a="http://schemas.openxmlformats.org/drawingml/2006/main" xmlns:r="http://schemas.openxmlformats.org/officeDocument/2006/relationships" xmlns:p="http://schemas.openxmlformats.org/presentationml/2006/main">
   <p:cSld>
     <p:spTree>
@@ -8314,7 +8524,7 @@
           <p:cNvPr id="2" name="Title 1">
             <a:extLst>
               <a:ext uri="{FF2B5EF4-FFF2-40B4-BE49-F238E27FC236}">
-                <a16:creationId xmlns:a16="http://schemas.microsoft.com/office/drawing/2014/main" id="{23CE64A4-2F53-4216-9156-486DB696E979}"/>
+                <a16:creationId xmlns:a16="http://schemas.microsoft.com/office/drawing/2014/main" id="{ACA19EFB-4E33-4B05-A45C-925EB6B7FEC5}"/>
               </a:ext>
             </a:extLst>
           </p:cNvPr>
@@ -8330,7 +8540,10 @@
           <a:bodyPr/>
           <a:lstStyle/>
           <a:p>
-            <a:endParaRPr lang="en-US"/>
+            <a:r>
+              <a:rPr lang="en-US" dirty="0"/>
+              <a:t>IDEAS</a:t>
+            </a:r>
           </a:p>
         </p:txBody>
       </p:sp>
@@ -8339,7 +8552,7 @@
           <p:cNvPr id="3" name="Content Placeholder 2">
             <a:extLst>
               <a:ext uri="{FF2B5EF4-FFF2-40B4-BE49-F238E27FC236}">
-                <a16:creationId xmlns:a16="http://schemas.microsoft.com/office/drawing/2014/main" id="{1CBB42E1-138C-4CDF-8B82-DB0034D78385}"/>
+                <a16:creationId xmlns:a16="http://schemas.microsoft.com/office/drawing/2014/main" id="{568247AE-88F2-457B-8CE1-5C8EC5FDDE7B}"/>
               </a:ext>
             </a:extLst>
           </p:cNvPr>
@@ -8355,7 +8568,123 @@
           <a:bodyPr/>
           <a:lstStyle/>
           <a:p>
-            <a:endParaRPr lang="en-US"/>
+            <a:r>
+              <a:rPr lang="en-US" dirty="0"/>
+              <a:t>Time optimization</a:t>
+            </a:r>
+          </a:p>
+          <a:p>
+            <a:r>
+              <a:rPr lang="en-US" dirty="0"/>
+              <a:t>Small scale test to validate results</a:t>
+            </a:r>
+          </a:p>
+          <a:p>
+            <a:endParaRPr lang="en-US" dirty="0"/>
+          </a:p>
+          <a:p>
+            <a:endParaRPr lang="en-US" dirty="0"/>
+          </a:p>
+          <a:p>
+            <a:r>
+              <a:rPr lang="en-US" dirty="0"/>
+              <a:t>DO NOT CHANGE ALL .CPU TO. GPU !!!</a:t>
+            </a:r>
+          </a:p>
+          <a:p>
+            <a:endParaRPr lang="en-US" dirty="0"/>
+          </a:p>
+        </p:txBody>
+      </p:sp>
+    </p:spTree>
+    <p:extLst>
+      <p:ext uri="{BB962C8B-B14F-4D97-AF65-F5344CB8AC3E}">
+        <p14:creationId xmlns:p14="http://schemas.microsoft.com/office/powerpoint/2010/main" val="10256787"/>
+      </p:ext>
+    </p:extLst>
+  </p:cSld>
+  <p:clrMapOvr>
+    <a:masterClrMapping/>
+  </p:clrMapOvr>
+</p:sld>
+</file>
+
+<file path=ppt/slides/slide23.xml><?xml version="1.0" encoding="utf-8"?>
+<p:sld xmlns:a="http://schemas.openxmlformats.org/drawingml/2006/main" xmlns:r="http://schemas.openxmlformats.org/officeDocument/2006/relationships" xmlns:p="http://schemas.openxmlformats.org/presentationml/2006/main">
+  <p:cSld>
+    <p:spTree>
+      <p:nvGrpSpPr>
+        <p:cNvPr id="1" name=""/>
+        <p:cNvGrpSpPr/>
+        <p:nvPr/>
+      </p:nvGrpSpPr>
+      <p:grpSpPr>
+        <a:xfrm>
+          <a:off x="0" y="0"/>
+          <a:ext cx="0" cy="0"/>
+          <a:chOff x="0" y="0"/>
+          <a:chExt cx="0" cy="0"/>
+        </a:xfrm>
+      </p:grpSpPr>
+      <p:sp>
+        <p:nvSpPr>
+          <p:cNvPr id="2" name="Title 1">
+            <a:extLst>
+              <a:ext uri="{FF2B5EF4-FFF2-40B4-BE49-F238E27FC236}">
+                <a16:creationId xmlns:a16="http://schemas.microsoft.com/office/drawing/2014/main" id="{23CE64A4-2F53-4216-9156-486DB696E979}"/>
+              </a:ext>
+            </a:extLst>
+          </p:cNvPr>
+          <p:cNvSpPr>
+            <a:spLocks noGrp="1"/>
+          </p:cNvSpPr>
+          <p:nvPr>
+            <p:ph type="title"/>
+          </p:nvPr>
+        </p:nvSpPr>
+        <p:spPr/>
+        <p:txBody>
+          <a:bodyPr/>
+          <a:lstStyle/>
+          <a:p>
+            <a:r>
+              <a:rPr lang="en-US" dirty="0"/>
+              <a:t>Questions</a:t>
+            </a:r>
+          </a:p>
+        </p:txBody>
+      </p:sp>
+      <p:sp>
+        <p:nvSpPr>
+          <p:cNvPr id="3" name="Content Placeholder 2">
+            <a:extLst>
+              <a:ext uri="{FF2B5EF4-FFF2-40B4-BE49-F238E27FC236}">
+                <a16:creationId xmlns:a16="http://schemas.microsoft.com/office/drawing/2014/main" id="{1CBB42E1-138C-4CDF-8B82-DB0034D78385}"/>
+              </a:ext>
+            </a:extLst>
+          </p:cNvPr>
+          <p:cNvSpPr>
+            <a:spLocks noGrp="1"/>
+          </p:cNvSpPr>
+          <p:nvPr>
+            <p:ph idx="1"/>
+          </p:nvPr>
+        </p:nvSpPr>
+        <p:spPr/>
+        <p:txBody>
+          <a:bodyPr/>
+          <a:lstStyle/>
+          <a:p>
+            <a:r>
+              <a:rPr lang="en-US" dirty="0"/>
+              <a:t>End result</a:t>
+            </a:r>
+          </a:p>
+          <a:p>
+            <a:r>
+              <a:rPr lang="en-US" dirty="0"/>
+              <a:t>Grant extension</a:t>
+            </a:r>
           </a:p>
         </p:txBody>
       </p:sp>

--- a/misc/Segmentation.pptx
+++ b/misc/Segmentation.pptx
@@ -281,7 +281,7 @@
           <a:p>
             <a:fld id="{5ECBD1B4-F142-490E-A4AB-4FD38A88171A}" type="datetimeFigureOut">
               <a:rPr lang="en-US" smtClean="0"/>
-              <a:t>8/18/2021</a:t>
+              <a:t>8/19/2021</a:t>
             </a:fld>
             <a:endParaRPr lang="en-US"/>
           </a:p>
@@ -479,7 +479,7 @@
           <a:p>
             <a:fld id="{5ECBD1B4-F142-490E-A4AB-4FD38A88171A}" type="datetimeFigureOut">
               <a:rPr lang="en-US" smtClean="0"/>
-              <a:t>8/18/2021</a:t>
+              <a:t>8/19/2021</a:t>
             </a:fld>
             <a:endParaRPr lang="en-US"/>
           </a:p>
@@ -687,7 +687,7 @@
           <a:p>
             <a:fld id="{5ECBD1B4-F142-490E-A4AB-4FD38A88171A}" type="datetimeFigureOut">
               <a:rPr lang="en-US" smtClean="0"/>
-              <a:t>8/18/2021</a:t>
+              <a:t>8/19/2021</a:t>
             </a:fld>
             <a:endParaRPr lang="en-US"/>
           </a:p>
@@ -885,7 +885,7 @@
           <a:p>
             <a:fld id="{5ECBD1B4-F142-490E-A4AB-4FD38A88171A}" type="datetimeFigureOut">
               <a:rPr lang="en-US" smtClean="0"/>
-              <a:t>8/18/2021</a:t>
+              <a:t>8/19/2021</a:t>
             </a:fld>
             <a:endParaRPr lang="en-US"/>
           </a:p>
@@ -1160,7 +1160,7 @@
           <a:p>
             <a:fld id="{5ECBD1B4-F142-490E-A4AB-4FD38A88171A}" type="datetimeFigureOut">
               <a:rPr lang="en-US" smtClean="0"/>
-              <a:t>8/18/2021</a:t>
+              <a:t>8/19/2021</a:t>
             </a:fld>
             <a:endParaRPr lang="en-US"/>
           </a:p>
@@ -1425,7 +1425,7 @@
           <a:p>
             <a:fld id="{5ECBD1B4-F142-490E-A4AB-4FD38A88171A}" type="datetimeFigureOut">
               <a:rPr lang="en-US" smtClean="0"/>
-              <a:t>8/18/2021</a:t>
+              <a:t>8/19/2021</a:t>
             </a:fld>
             <a:endParaRPr lang="en-US"/>
           </a:p>
@@ -1837,7 +1837,7 @@
           <a:p>
             <a:fld id="{5ECBD1B4-F142-490E-A4AB-4FD38A88171A}" type="datetimeFigureOut">
               <a:rPr lang="en-US" smtClean="0"/>
-              <a:t>8/18/2021</a:t>
+              <a:t>8/19/2021</a:t>
             </a:fld>
             <a:endParaRPr lang="en-US"/>
           </a:p>
@@ -1978,7 +1978,7 @@
           <a:p>
             <a:fld id="{5ECBD1B4-F142-490E-A4AB-4FD38A88171A}" type="datetimeFigureOut">
               <a:rPr lang="en-US" smtClean="0"/>
-              <a:t>8/18/2021</a:t>
+              <a:t>8/19/2021</a:t>
             </a:fld>
             <a:endParaRPr lang="en-US"/>
           </a:p>
@@ -2091,7 +2091,7 @@
           <a:p>
             <a:fld id="{5ECBD1B4-F142-490E-A4AB-4FD38A88171A}" type="datetimeFigureOut">
               <a:rPr lang="en-US" smtClean="0"/>
-              <a:t>8/18/2021</a:t>
+              <a:t>8/19/2021</a:t>
             </a:fld>
             <a:endParaRPr lang="en-US"/>
           </a:p>
@@ -2402,7 +2402,7 @@
           <a:p>
             <a:fld id="{5ECBD1B4-F142-490E-A4AB-4FD38A88171A}" type="datetimeFigureOut">
               <a:rPr lang="en-US" smtClean="0"/>
-              <a:t>8/18/2021</a:t>
+              <a:t>8/19/2021</a:t>
             </a:fld>
             <a:endParaRPr lang="en-US"/>
           </a:p>
@@ -2690,7 +2690,7 @@
           <a:p>
             <a:fld id="{5ECBD1B4-F142-490E-A4AB-4FD38A88171A}" type="datetimeFigureOut">
               <a:rPr lang="en-US" smtClean="0"/>
-              <a:t>8/18/2021</a:t>
+              <a:t>8/19/2021</a:t>
             </a:fld>
             <a:endParaRPr lang="en-US"/>
           </a:p>
@@ -2931,7 +2931,7 @@
           <a:p>
             <a:fld id="{5ECBD1B4-F142-490E-A4AB-4FD38A88171A}" type="datetimeFigureOut">
               <a:rPr lang="en-US" smtClean="0"/>
-              <a:t>8/18/2021</a:t>
+              <a:t>8/19/2021</a:t>
             </a:fld>
             <a:endParaRPr lang="en-US"/>
           </a:p>
@@ -8563,14 +8563,21 @@
             <p:ph idx="1"/>
           </p:nvPr>
         </p:nvSpPr>
-        <p:spPr/>
-        <p:txBody>
-          <a:bodyPr/>
+        <p:spPr>
+          <a:xfrm>
+            <a:off x="838200" y="1825625"/>
+            <a:ext cx="10515600" cy="4912526"/>
+          </a:xfrm>
+        </p:spPr>
+        <p:txBody>
+          <a:bodyPr>
+            <a:normAutofit/>
+          </a:bodyPr>
           <a:lstStyle/>
           <a:p>
             <a:r>
               <a:rPr lang="en-US" dirty="0"/>
-              <a:t>Time optimization</a:t>
+              <a:t>Time optimization ???</a:t>
             </a:r>
           </a:p>
           <a:p>
@@ -8589,6 +8596,21 @@
             <a:r>
               <a:rPr lang="en-US" dirty="0"/>
               <a:t>DO NOT CHANGE ALL .CPU TO. GPU !!!</a:t>
+            </a:r>
+          </a:p>
+          <a:p>
+            <a:endParaRPr lang="en-US" dirty="0"/>
+          </a:p>
+          <a:p>
+            <a:r>
+              <a:rPr lang="en-US" dirty="0"/>
+              <a:t>Creating HD pictures takes the longest time ??????</a:t>
+            </a:r>
+          </a:p>
+          <a:p>
+            <a:r>
+              <a:rPr lang="en-US" dirty="0"/>
+              <a:t>Sometimes pushing to GPU is not recommended because not enough memory – ram better</a:t>
             </a:r>
           </a:p>
           <a:p>

--- a/misc/Segmentation.pptx
+++ b/misc/Segmentation.pptx
@@ -28,6 +28,7 @@
     <p:sldId id="277" r:id="rId22"/>
     <p:sldId id="278" r:id="rId23"/>
     <p:sldId id="274" r:id="rId24"/>
+    <p:sldId id="279" r:id="rId25"/>
   </p:sldIdLst>
   <p:sldSz cx="12192000" cy="6858000"/>
   <p:notesSz cx="6858000" cy="9144000"/>
@@ -281,7 +282,7 @@
           <a:p>
             <a:fld id="{5ECBD1B4-F142-490E-A4AB-4FD38A88171A}" type="datetimeFigureOut">
               <a:rPr lang="en-US" smtClean="0"/>
-              <a:t>8/19/2021</a:t>
+              <a:t>8/24/2021</a:t>
             </a:fld>
             <a:endParaRPr lang="en-US"/>
           </a:p>
@@ -479,7 +480,7 @@
           <a:p>
             <a:fld id="{5ECBD1B4-F142-490E-A4AB-4FD38A88171A}" type="datetimeFigureOut">
               <a:rPr lang="en-US" smtClean="0"/>
-              <a:t>8/19/2021</a:t>
+              <a:t>8/24/2021</a:t>
             </a:fld>
             <a:endParaRPr lang="en-US"/>
           </a:p>
@@ -687,7 +688,7 @@
           <a:p>
             <a:fld id="{5ECBD1B4-F142-490E-A4AB-4FD38A88171A}" type="datetimeFigureOut">
               <a:rPr lang="en-US" smtClean="0"/>
-              <a:t>8/19/2021</a:t>
+              <a:t>8/24/2021</a:t>
             </a:fld>
             <a:endParaRPr lang="en-US"/>
           </a:p>
@@ -885,7 +886,7 @@
           <a:p>
             <a:fld id="{5ECBD1B4-F142-490E-A4AB-4FD38A88171A}" type="datetimeFigureOut">
               <a:rPr lang="en-US" smtClean="0"/>
-              <a:t>8/19/2021</a:t>
+              <a:t>8/24/2021</a:t>
             </a:fld>
             <a:endParaRPr lang="en-US"/>
           </a:p>
@@ -1160,7 +1161,7 @@
           <a:p>
             <a:fld id="{5ECBD1B4-F142-490E-A4AB-4FD38A88171A}" type="datetimeFigureOut">
               <a:rPr lang="en-US" smtClean="0"/>
-              <a:t>8/19/2021</a:t>
+              <a:t>8/24/2021</a:t>
             </a:fld>
             <a:endParaRPr lang="en-US"/>
           </a:p>
@@ -1425,7 +1426,7 @@
           <a:p>
             <a:fld id="{5ECBD1B4-F142-490E-A4AB-4FD38A88171A}" type="datetimeFigureOut">
               <a:rPr lang="en-US" smtClean="0"/>
-              <a:t>8/19/2021</a:t>
+              <a:t>8/24/2021</a:t>
             </a:fld>
             <a:endParaRPr lang="en-US"/>
           </a:p>
@@ -1837,7 +1838,7 @@
           <a:p>
             <a:fld id="{5ECBD1B4-F142-490E-A4AB-4FD38A88171A}" type="datetimeFigureOut">
               <a:rPr lang="en-US" smtClean="0"/>
-              <a:t>8/19/2021</a:t>
+              <a:t>8/24/2021</a:t>
             </a:fld>
             <a:endParaRPr lang="en-US"/>
           </a:p>
@@ -1978,7 +1979,7 @@
           <a:p>
             <a:fld id="{5ECBD1B4-F142-490E-A4AB-4FD38A88171A}" type="datetimeFigureOut">
               <a:rPr lang="en-US" smtClean="0"/>
-              <a:t>8/19/2021</a:t>
+              <a:t>8/24/2021</a:t>
             </a:fld>
             <a:endParaRPr lang="en-US"/>
           </a:p>
@@ -2091,7 +2092,7 @@
           <a:p>
             <a:fld id="{5ECBD1B4-F142-490E-A4AB-4FD38A88171A}" type="datetimeFigureOut">
               <a:rPr lang="en-US" smtClean="0"/>
-              <a:t>8/19/2021</a:t>
+              <a:t>8/24/2021</a:t>
             </a:fld>
             <a:endParaRPr lang="en-US"/>
           </a:p>
@@ -2402,7 +2403,7 @@
           <a:p>
             <a:fld id="{5ECBD1B4-F142-490E-A4AB-4FD38A88171A}" type="datetimeFigureOut">
               <a:rPr lang="en-US" smtClean="0"/>
-              <a:t>8/19/2021</a:t>
+              <a:t>8/24/2021</a:t>
             </a:fld>
             <a:endParaRPr lang="en-US"/>
           </a:p>
@@ -2690,7 +2691,7 @@
           <a:p>
             <a:fld id="{5ECBD1B4-F142-490E-A4AB-4FD38A88171A}" type="datetimeFigureOut">
               <a:rPr lang="en-US" smtClean="0"/>
-              <a:t>8/19/2021</a:t>
+              <a:t>8/24/2021</a:t>
             </a:fld>
             <a:endParaRPr lang="en-US"/>
           </a:p>
@@ -2931,7 +2932,7 @@
           <a:p>
             <a:fld id="{5ECBD1B4-F142-490E-A4AB-4FD38A88171A}" type="datetimeFigureOut">
               <a:rPr lang="en-US" smtClean="0"/>
-              <a:t>8/19/2021</a:t>
+              <a:t>8/24/2021</a:t>
             </a:fld>
             <a:endParaRPr lang="en-US"/>
           </a:p>
@@ -6875,15 +6876,7 @@
           <a:p>
             <a:r>
               <a:rPr lang="en-US" dirty="0"/>
-              <a:t>At </a:t>
-            </a:r>
-            <a:r>
-              <a:rPr lang="en-US" dirty="0" err="1"/>
-              <a:t>centre</a:t>
-            </a:r>
-            <a:r>
-              <a:rPr lang="en-US" dirty="0"/>
-              <a:t> ?</a:t>
+              <a:t>At center ?</a:t>
             </a:r>
           </a:p>
         </p:txBody>
@@ -8571,7 +8564,7 @@
         </p:spPr>
         <p:txBody>
           <a:bodyPr>
-            <a:normAutofit/>
+            <a:normAutofit lnSpcReduction="10000"/>
           </a:bodyPr>
           <a:lstStyle/>
           <a:p>
@@ -8584,6 +8577,12 @@
             <a:r>
               <a:rPr lang="en-US" dirty="0"/>
               <a:t>Small scale test to validate results</a:t>
+            </a:r>
+          </a:p>
+          <a:p>
+            <a:r>
+              <a:rPr lang="en-US" dirty="0"/>
+              <a:t>What is the best aspect ratio to find features </a:t>
             </a:r>
           </a:p>
           <a:p>
@@ -8714,6 +8713,92 @@
     <p:extLst>
       <p:ext uri="{BB962C8B-B14F-4D97-AF65-F5344CB8AC3E}">
         <p14:creationId xmlns:p14="http://schemas.microsoft.com/office/powerpoint/2010/main" val="2610576331"/>
+      </p:ext>
+    </p:extLst>
+  </p:cSld>
+  <p:clrMapOvr>
+    <a:masterClrMapping/>
+  </p:clrMapOvr>
+</p:sld>
+</file>
+
+<file path=ppt/slides/slide24.xml><?xml version="1.0" encoding="utf-8"?>
+<p:sld xmlns:a="http://schemas.openxmlformats.org/drawingml/2006/main" xmlns:r="http://schemas.openxmlformats.org/officeDocument/2006/relationships" xmlns:p="http://schemas.openxmlformats.org/presentationml/2006/main">
+  <p:cSld>
+    <p:spTree>
+      <p:nvGrpSpPr>
+        <p:cNvPr id="1" name=""/>
+        <p:cNvGrpSpPr/>
+        <p:nvPr/>
+      </p:nvGrpSpPr>
+      <p:grpSpPr>
+        <a:xfrm>
+          <a:off x="0" y="0"/>
+          <a:ext cx="0" cy="0"/>
+          <a:chOff x="0" y="0"/>
+          <a:chExt cx="0" cy="0"/>
+        </a:xfrm>
+      </p:grpSpPr>
+      <p:sp>
+        <p:nvSpPr>
+          <p:cNvPr id="2" name="Title 1">
+            <a:extLst>
+              <a:ext uri="{FF2B5EF4-FFF2-40B4-BE49-F238E27FC236}">
+                <a16:creationId xmlns:a16="http://schemas.microsoft.com/office/drawing/2014/main" id="{14B9C8A4-4ADA-4687-AF83-F8AC0C8222D9}"/>
+              </a:ext>
+            </a:extLst>
+          </p:cNvPr>
+          <p:cNvSpPr>
+            <a:spLocks noGrp="1"/>
+          </p:cNvSpPr>
+          <p:nvPr>
+            <p:ph type="title"/>
+          </p:nvPr>
+        </p:nvSpPr>
+        <p:spPr/>
+        <p:txBody>
+          <a:bodyPr/>
+          <a:lstStyle/>
+          <a:p>
+            <a:r>
+              <a:rPr lang="en-US" dirty="0"/>
+              <a:t>Flow</a:t>
+            </a:r>
+          </a:p>
+        </p:txBody>
+      </p:sp>
+      <p:sp>
+        <p:nvSpPr>
+          <p:cNvPr id="3" name="Content Placeholder 2">
+            <a:extLst>
+              <a:ext uri="{FF2B5EF4-FFF2-40B4-BE49-F238E27FC236}">
+                <a16:creationId xmlns:a16="http://schemas.microsoft.com/office/drawing/2014/main" id="{894609EC-FB1A-4116-B165-EF9AC5162320}"/>
+              </a:ext>
+            </a:extLst>
+          </p:cNvPr>
+          <p:cNvSpPr>
+            <a:spLocks noGrp="1"/>
+          </p:cNvSpPr>
+          <p:nvPr>
+            <p:ph idx="1"/>
+          </p:nvPr>
+        </p:nvSpPr>
+        <p:spPr/>
+        <p:txBody>
+          <a:bodyPr/>
+          <a:lstStyle/>
+          <a:p>
+            <a:r>
+              <a:rPr lang="en-US" dirty="0"/>
+              <a:t>Visualized in 3D ???</a:t>
+            </a:r>
+          </a:p>
+        </p:txBody>
+      </p:sp>
+    </p:spTree>
+    <p:extLst>
+      <p:ext uri="{BB962C8B-B14F-4D97-AF65-F5344CB8AC3E}">
+        <p14:creationId xmlns:p14="http://schemas.microsoft.com/office/powerpoint/2010/main" val="939099044"/>
       </p:ext>
     </p:extLst>
   </p:cSld>

--- a/misc/Segmentation.pptx
+++ b/misc/Segmentation.pptx
@@ -8793,6 +8793,35 @@
               <a:t>Visualized in 3D ???</a:t>
             </a:r>
           </a:p>
+          <a:p>
+            <a:endParaRPr lang="en-US" dirty="0"/>
+          </a:p>
+          <a:p>
+            <a:r>
+              <a:rPr lang="en-US" dirty="0"/>
+              <a:t>IMAGE CREATION TAKES THE LONGEST !!!!!!! (90%)</a:t>
+            </a:r>
+          </a:p>
+          <a:p>
+            <a:r>
+              <a:rPr lang="en-US" dirty="0"/>
+              <a:t>WORST case 25 min per picture</a:t>
+            </a:r>
+          </a:p>
+          <a:p>
+            <a:endParaRPr lang="en-US" dirty="0"/>
+          </a:p>
+          <a:p>
+            <a:r>
+              <a:rPr lang="en-US" dirty="0"/>
+              <a:t>Check evaluation </a:t>
+            </a:r>
+            <a:r>
+              <a:rPr lang="en-US" dirty="0" err="1"/>
+              <a:t>meric</a:t>
+            </a:r>
+            <a:endParaRPr lang="en-US" dirty="0"/>
+          </a:p>
         </p:txBody>
       </p:sp>
     </p:spTree>

--- a/misc/Segmentation.pptx
+++ b/misc/Segmentation.pptx
@@ -282,7 +282,7 @@
           <a:p>
             <a:fld id="{5ECBD1B4-F142-490E-A4AB-4FD38A88171A}" type="datetimeFigureOut">
               <a:rPr lang="en-US" smtClean="0"/>
-              <a:t>8/24/2021</a:t>
+              <a:t>8/25/2021</a:t>
             </a:fld>
             <a:endParaRPr lang="en-US"/>
           </a:p>
@@ -480,7 +480,7 @@
           <a:p>
             <a:fld id="{5ECBD1B4-F142-490E-A4AB-4FD38A88171A}" type="datetimeFigureOut">
               <a:rPr lang="en-US" smtClean="0"/>
-              <a:t>8/24/2021</a:t>
+              <a:t>8/25/2021</a:t>
             </a:fld>
             <a:endParaRPr lang="en-US"/>
           </a:p>
@@ -688,7 +688,7 @@
           <a:p>
             <a:fld id="{5ECBD1B4-F142-490E-A4AB-4FD38A88171A}" type="datetimeFigureOut">
               <a:rPr lang="en-US" smtClean="0"/>
-              <a:t>8/24/2021</a:t>
+              <a:t>8/25/2021</a:t>
             </a:fld>
             <a:endParaRPr lang="en-US"/>
           </a:p>
@@ -886,7 +886,7 @@
           <a:p>
             <a:fld id="{5ECBD1B4-F142-490E-A4AB-4FD38A88171A}" type="datetimeFigureOut">
               <a:rPr lang="en-US" smtClean="0"/>
-              <a:t>8/24/2021</a:t>
+              <a:t>8/25/2021</a:t>
             </a:fld>
             <a:endParaRPr lang="en-US"/>
           </a:p>
@@ -1161,7 +1161,7 @@
           <a:p>
             <a:fld id="{5ECBD1B4-F142-490E-A4AB-4FD38A88171A}" type="datetimeFigureOut">
               <a:rPr lang="en-US" smtClean="0"/>
-              <a:t>8/24/2021</a:t>
+              <a:t>8/25/2021</a:t>
             </a:fld>
             <a:endParaRPr lang="en-US"/>
           </a:p>
@@ -1426,7 +1426,7 @@
           <a:p>
             <a:fld id="{5ECBD1B4-F142-490E-A4AB-4FD38A88171A}" type="datetimeFigureOut">
               <a:rPr lang="en-US" smtClean="0"/>
-              <a:t>8/24/2021</a:t>
+              <a:t>8/25/2021</a:t>
             </a:fld>
             <a:endParaRPr lang="en-US"/>
           </a:p>
@@ -1838,7 +1838,7 @@
           <a:p>
             <a:fld id="{5ECBD1B4-F142-490E-A4AB-4FD38A88171A}" type="datetimeFigureOut">
               <a:rPr lang="en-US" smtClean="0"/>
-              <a:t>8/24/2021</a:t>
+              <a:t>8/25/2021</a:t>
             </a:fld>
             <a:endParaRPr lang="en-US"/>
           </a:p>
@@ -1979,7 +1979,7 @@
           <a:p>
             <a:fld id="{5ECBD1B4-F142-490E-A4AB-4FD38A88171A}" type="datetimeFigureOut">
               <a:rPr lang="en-US" smtClean="0"/>
-              <a:t>8/24/2021</a:t>
+              <a:t>8/25/2021</a:t>
             </a:fld>
             <a:endParaRPr lang="en-US"/>
           </a:p>
@@ -2092,7 +2092,7 @@
           <a:p>
             <a:fld id="{5ECBD1B4-F142-490E-A4AB-4FD38A88171A}" type="datetimeFigureOut">
               <a:rPr lang="en-US" smtClean="0"/>
-              <a:t>8/24/2021</a:t>
+              <a:t>8/25/2021</a:t>
             </a:fld>
             <a:endParaRPr lang="en-US"/>
           </a:p>
@@ -2403,7 +2403,7 @@
           <a:p>
             <a:fld id="{5ECBD1B4-F142-490E-A4AB-4FD38A88171A}" type="datetimeFigureOut">
               <a:rPr lang="en-US" smtClean="0"/>
-              <a:t>8/24/2021</a:t>
+              <a:t>8/25/2021</a:t>
             </a:fld>
             <a:endParaRPr lang="en-US"/>
           </a:p>
@@ -2691,7 +2691,7 @@
           <a:p>
             <a:fld id="{5ECBD1B4-F142-490E-A4AB-4FD38A88171A}" type="datetimeFigureOut">
               <a:rPr lang="en-US" smtClean="0"/>
-              <a:t>8/24/2021</a:t>
+              <a:t>8/25/2021</a:t>
             </a:fld>
             <a:endParaRPr lang="en-US"/>
           </a:p>
@@ -2932,7 +2932,7 @@
           <a:p>
             <a:fld id="{5ECBD1B4-F142-490E-A4AB-4FD38A88171A}" type="datetimeFigureOut">
               <a:rPr lang="en-US" smtClean="0"/>
-              <a:t>8/24/2021</a:t>
+              <a:t>8/25/2021</a:t>
             </a:fld>
             <a:endParaRPr lang="en-US"/>
           </a:p>
@@ -8809,18 +8809,20 @@
             </a:r>
           </a:p>
           <a:p>
+            <a:pPr lvl="1"/>
+            <a:r>
+              <a:rPr lang="en-US" dirty="0"/>
+              <a:t>Can be reduced to 5 min in precision is not very important </a:t>
+            </a:r>
+          </a:p>
+          <a:p>
             <a:endParaRPr lang="en-US" dirty="0"/>
           </a:p>
           <a:p>
             <a:r>
               <a:rPr lang="en-US" dirty="0"/>
-              <a:t>Check evaluation </a:t>
-            </a:r>
-            <a:r>
-              <a:rPr lang="en-US" dirty="0" err="1"/>
-              <a:t>meric</a:t>
-            </a:r>
-            <a:endParaRPr lang="en-US" dirty="0"/>
+              <a:t>Check evaluation metric</a:t>
+            </a:r>
           </a:p>
         </p:txBody>
       </p:sp>

--- a/misc/Segmentation.pptx
+++ b/misc/Segmentation.pptx
@@ -282,7 +282,7 @@
           <a:p>
             <a:fld id="{5ECBD1B4-F142-490E-A4AB-4FD38A88171A}" type="datetimeFigureOut">
               <a:rPr lang="en-US" smtClean="0"/>
-              <a:t>8/25/2021</a:t>
+              <a:t>8/27/2021</a:t>
             </a:fld>
             <a:endParaRPr lang="en-US"/>
           </a:p>
@@ -480,7 +480,7 @@
           <a:p>
             <a:fld id="{5ECBD1B4-F142-490E-A4AB-4FD38A88171A}" type="datetimeFigureOut">
               <a:rPr lang="en-US" smtClean="0"/>
-              <a:t>8/25/2021</a:t>
+              <a:t>8/27/2021</a:t>
             </a:fld>
             <a:endParaRPr lang="en-US"/>
           </a:p>
@@ -688,7 +688,7 @@
           <a:p>
             <a:fld id="{5ECBD1B4-F142-490E-A4AB-4FD38A88171A}" type="datetimeFigureOut">
               <a:rPr lang="en-US" smtClean="0"/>
-              <a:t>8/25/2021</a:t>
+              <a:t>8/27/2021</a:t>
             </a:fld>
             <a:endParaRPr lang="en-US"/>
           </a:p>
@@ -886,7 +886,7 @@
           <a:p>
             <a:fld id="{5ECBD1B4-F142-490E-A4AB-4FD38A88171A}" type="datetimeFigureOut">
               <a:rPr lang="en-US" smtClean="0"/>
-              <a:t>8/25/2021</a:t>
+              <a:t>8/27/2021</a:t>
             </a:fld>
             <a:endParaRPr lang="en-US"/>
           </a:p>
@@ -1161,7 +1161,7 @@
           <a:p>
             <a:fld id="{5ECBD1B4-F142-490E-A4AB-4FD38A88171A}" type="datetimeFigureOut">
               <a:rPr lang="en-US" smtClean="0"/>
-              <a:t>8/25/2021</a:t>
+              <a:t>8/27/2021</a:t>
             </a:fld>
             <a:endParaRPr lang="en-US"/>
           </a:p>
@@ -1426,7 +1426,7 @@
           <a:p>
             <a:fld id="{5ECBD1B4-F142-490E-A4AB-4FD38A88171A}" type="datetimeFigureOut">
               <a:rPr lang="en-US" smtClean="0"/>
-              <a:t>8/25/2021</a:t>
+              <a:t>8/27/2021</a:t>
             </a:fld>
             <a:endParaRPr lang="en-US"/>
           </a:p>
@@ -1838,7 +1838,7 @@
           <a:p>
             <a:fld id="{5ECBD1B4-F142-490E-A4AB-4FD38A88171A}" type="datetimeFigureOut">
               <a:rPr lang="en-US" smtClean="0"/>
-              <a:t>8/25/2021</a:t>
+              <a:t>8/27/2021</a:t>
             </a:fld>
             <a:endParaRPr lang="en-US"/>
           </a:p>
@@ -1979,7 +1979,7 @@
           <a:p>
             <a:fld id="{5ECBD1B4-F142-490E-A4AB-4FD38A88171A}" type="datetimeFigureOut">
               <a:rPr lang="en-US" smtClean="0"/>
-              <a:t>8/25/2021</a:t>
+              <a:t>8/27/2021</a:t>
             </a:fld>
             <a:endParaRPr lang="en-US"/>
           </a:p>
@@ -2092,7 +2092,7 @@
           <a:p>
             <a:fld id="{5ECBD1B4-F142-490E-A4AB-4FD38A88171A}" type="datetimeFigureOut">
               <a:rPr lang="en-US" smtClean="0"/>
-              <a:t>8/25/2021</a:t>
+              <a:t>8/27/2021</a:t>
             </a:fld>
             <a:endParaRPr lang="en-US"/>
           </a:p>
@@ -2403,7 +2403,7 @@
           <a:p>
             <a:fld id="{5ECBD1B4-F142-490E-A4AB-4FD38A88171A}" type="datetimeFigureOut">
               <a:rPr lang="en-US" smtClean="0"/>
-              <a:t>8/25/2021</a:t>
+              <a:t>8/27/2021</a:t>
             </a:fld>
             <a:endParaRPr lang="en-US"/>
           </a:p>
@@ -2691,7 +2691,7 @@
           <a:p>
             <a:fld id="{5ECBD1B4-F142-490E-A4AB-4FD38A88171A}" type="datetimeFigureOut">
               <a:rPr lang="en-US" smtClean="0"/>
-              <a:t>8/25/2021</a:t>
+              <a:t>8/27/2021</a:t>
             </a:fld>
             <a:endParaRPr lang="en-US"/>
           </a:p>
@@ -2932,7 +2932,7 @@
           <a:p>
             <a:fld id="{5ECBD1B4-F142-490E-A4AB-4FD38A88171A}" type="datetimeFigureOut">
               <a:rPr lang="en-US" smtClean="0"/>
-              <a:t>8/25/2021</a:t>
+              <a:t>8/27/2021</a:t>
             </a:fld>
             <a:endParaRPr lang="en-US"/>
           </a:p>
@@ -4662,7 +4662,7 @@
         </p:nvSpPr>
         <p:spPr>
           <a:xfrm>
-            <a:off x="1358283" y="4358936"/>
+            <a:off x="1362919" y="4367813"/>
             <a:ext cx="790113" cy="221942"/>
           </a:xfrm>
           <a:prstGeom prst="rightArrow">
